--- a/TA 6/TA6.pptx
+++ b/TA 6/TA6.pptx
@@ -136,12 +136,33 @@
 </p:presentation>
 </file>
 
-<file path=ppt/revisionInfo.xml><?xml version="1.0" encoding="utf-8"?>
-<p1510:revInfo xmlns:a="http://schemas.openxmlformats.org/drawingml/2006/main" xmlns:r="http://schemas.openxmlformats.org/officeDocument/2006/relationships" xmlns:p1510="http://schemas.microsoft.com/office/powerpoint/2015/10/main">
-  <p1510:revLst>
-    <p1510:client id="{E14E7F8D-DBAA-4DC7-93E4-69C6DB9AFAA3}" v="42" dt="2023-10-01T17:00:30.282"/>
-  </p1510:revLst>
-</p1510:revInfo>
+<file path=ppt/changesInfos/changesInfo1.xml><?xml version="1.0" encoding="utf-8"?>
+<pc:chgInfo xmlns:a="http://schemas.openxmlformats.org/drawingml/2006/main" xmlns:r="http://schemas.openxmlformats.org/officeDocument/2006/relationships" xmlns:ac="http://schemas.microsoft.com/office/drawing/2013/main/command" xmlns:pc="http://schemas.microsoft.com/office/powerpoint/2013/main/command">
+  <pc:docChgLst>
+    <pc:chgData name="משה עופר" userId="be54d6cb-761f-4aec-b214-5cfcb9fa6e02" providerId="ADAL" clId="{14043DD7-5C20-4108-84BC-7346B11B1104}"/>
+    <pc:docChg chg="modSld">
+      <pc:chgData name="משה עופר" userId="be54d6cb-761f-4aec-b214-5cfcb9fa6e02" providerId="ADAL" clId="{14043DD7-5C20-4108-84BC-7346B11B1104}" dt="2024-12-11T07:15:02.962" v="1" actId="20577"/>
+      <pc:docMkLst>
+        <pc:docMk/>
+      </pc:docMkLst>
+      <pc:sldChg chg="modSp mod">
+        <pc:chgData name="משה עופר" userId="be54d6cb-761f-4aec-b214-5cfcb9fa6e02" providerId="ADAL" clId="{14043DD7-5C20-4108-84BC-7346B11B1104}" dt="2024-12-11T07:15:02.962" v="1" actId="20577"/>
+        <pc:sldMkLst>
+          <pc:docMk/>
+          <pc:sldMk cId="0" sldId="466"/>
+        </pc:sldMkLst>
+        <pc:spChg chg="mod">
+          <ac:chgData name="משה עופר" userId="be54d6cb-761f-4aec-b214-5cfcb9fa6e02" providerId="ADAL" clId="{14043DD7-5C20-4108-84BC-7346B11B1104}" dt="2024-12-11T07:15:02.962" v="1" actId="20577"/>
+          <ac:spMkLst>
+            <pc:docMk/>
+            <pc:sldMk cId="0" sldId="466"/>
+            <ac:spMk id="11" creationId="{22783F95-C5A6-AC8F-27C6-6623D12CDB25}"/>
+          </ac:spMkLst>
+        </pc:spChg>
+      </pc:sldChg>
+    </pc:docChg>
+  </pc:docChgLst>
+</pc:chgInfo>
 </file>
 
 <file path=ppt/notesMasters/notesMaster1.xml><?xml version="1.0" encoding="utf-8"?>
@@ -226,7 +247,7 @@
           <a:p>
             <a:fld id="{8CAA52B5-77FE-4A80-AFEA-FC2B708EFBF0}" type="datetimeFigureOut">
               <a:rPr lang="he-IL" smtClean="0"/>
-              <a:t>ד'/כסלו/תשפ"ה</a:t>
+              <a:t>י'/כסלו/תשפ"ה</a:t>
             </a:fld>
             <a:endParaRPr lang="he-IL"/>
           </a:p>
@@ -3674,7 +3695,7 @@
           <a:p>
             <a:fld id="{48A87A34-81AB-432B-8DAE-1953F412C126}" type="datetimeFigureOut">
               <a:rPr lang="en-US" smtClean="0"/>
-              <a:t>12/5/2024</a:t>
+              <a:t>12/11/2024</a:t>
             </a:fld>
             <a:endParaRPr lang="en-US" dirty="0"/>
           </a:p>
@@ -3962,7 +3983,7 @@
             <a:fld id="{48A87A34-81AB-432B-8DAE-1953F412C126}" type="datetimeFigureOut">
               <a:rPr lang="en-US" smtClean="0"/>
               <a:pPr/>
-              <a:t>12/5/2024</a:t>
+              <a:t>12/11/2024</a:t>
             </a:fld>
             <a:endParaRPr lang="en-US" dirty="0"/>
           </a:p>
@@ -4156,7 +4177,7 @@
             <a:fld id="{48A87A34-81AB-432B-8DAE-1953F412C126}" type="datetimeFigureOut">
               <a:rPr lang="en-US" smtClean="0"/>
               <a:pPr/>
-              <a:t>12/5/2024</a:t>
+              <a:t>12/11/2024</a:t>
             </a:fld>
             <a:endParaRPr lang="en-US" dirty="0"/>
           </a:p>
@@ -4419,7 +4440,7 @@
             <a:fld id="{48A87A34-81AB-432B-8DAE-1953F412C126}" type="datetimeFigureOut">
               <a:rPr lang="en-US" smtClean="0"/>
               <a:pPr/>
-              <a:t>12/5/2024</a:t>
+              <a:t>12/11/2024</a:t>
             </a:fld>
             <a:endParaRPr lang="en-US" dirty="0"/>
           </a:p>
@@ -4845,7 +4866,7 @@
             <a:fld id="{48A87A34-81AB-432B-8DAE-1953F412C126}" type="datetimeFigureOut">
               <a:rPr lang="en-US" smtClean="0"/>
               <a:pPr/>
-              <a:t>12/5/2024</a:t>
+              <a:t>12/11/2024</a:t>
             </a:fld>
             <a:endParaRPr lang="en-US" dirty="0"/>
           </a:p>
@@ -5393,7 +5414,7 @@
             <a:fld id="{48A87A34-81AB-432B-8DAE-1953F412C126}" type="datetimeFigureOut">
               <a:rPr lang="en-US" smtClean="0"/>
               <a:pPr/>
-              <a:t>12/5/2024</a:t>
+              <a:t>12/11/2024</a:t>
             </a:fld>
             <a:endParaRPr lang="en-US" dirty="0"/>
           </a:p>
@@ -6235,7 +6256,7 @@
             <a:fld id="{48A87A34-81AB-432B-8DAE-1953F412C126}" type="datetimeFigureOut">
               <a:rPr lang="en-US" smtClean="0"/>
               <a:pPr/>
-              <a:t>12/5/2024</a:t>
+              <a:t>12/11/2024</a:t>
             </a:fld>
             <a:endParaRPr lang="en-US" dirty="0"/>
           </a:p>
@@ -6406,7 +6427,7 @@
           <a:p>
             <a:fld id="{48A87A34-81AB-432B-8DAE-1953F412C126}" type="datetimeFigureOut">
               <a:rPr lang="en-US" smtClean="0"/>
-              <a:t>12/5/2024</a:t>
+              <a:t>12/11/2024</a:t>
             </a:fld>
             <a:endParaRPr lang="en-US" dirty="0"/>
           </a:p>
@@ -6590,7 +6611,7 @@
           <a:p>
             <a:fld id="{48A87A34-81AB-432B-8DAE-1953F412C126}" type="datetimeFigureOut">
               <a:rPr lang="en-US" smtClean="0"/>
-              <a:t>12/5/2024</a:t>
+              <a:t>12/11/2024</a:t>
             </a:fld>
             <a:endParaRPr lang="en-US" dirty="0"/>
           </a:p>
@@ -6794,7 +6815,7 @@
           <a:p>
             <a:fld id="{1D8BD707-D9CF-40AE-B4C6-C98DA3205C09}" type="datetimeFigureOut">
               <a:rPr lang="en-US"/>
-              <a:t>12/5/2024</a:t>
+              <a:t>12/11/2024</a:t>
             </a:fld>
             <a:endParaRPr lang="en-US"/>
           </a:p>
@@ -6954,7 +6975,7 @@
           <a:p>
             <a:fld id="{48A87A34-81AB-432B-8DAE-1953F412C126}" type="datetimeFigureOut">
               <a:rPr lang="en-US" smtClean="0"/>
-              <a:t>12/5/2024</a:t>
+              <a:t>12/11/2024</a:t>
             </a:fld>
             <a:endParaRPr lang="en-US" dirty="0"/>
           </a:p>
@@ -7202,7 +7223,7 @@
           <a:p>
             <a:fld id="{48A87A34-81AB-432B-8DAE-1953F412C126}" type="datetimeFigureOut">
               <a:rPr lang="en-US" smtClean="0"/>
-              <a:t>12/5/2024</a:t>
+              <a:t>12/11/2024</a:t>
             </a:fld>
             <a:endParaRPr lang="en-US" dirty="0"/>
           </a:p>
@@ -7439,7 +7460,7 @@
           <a:p>
             <a:fld id="{48A87A34-81AB-432B-8DAE-1953F412C126}" type="datetimeFigureOut">
               <a:rPr lang="en-US" smtClean="0"/>
-              <a:t>12/5/2024</a:t>
+              <a:t>12/11/2024</a:t>
             </a:fld>
             <a:endParaRPr lang="en-US" dirty="0"/>
           </a:p>
@@ -7812,7 +7833,7 @@
           <a:p>
             <a:fld id="{48A87A34-81AB-432B-8DAE-1953F412C126}" type="datetimeFigureOut">
               <a:rPr lang="en-US" smtClean="0"/>
-              <a:t>12/5/2024</a:t>
+              <a:t>12/11/2024</a:t>
             </a:fld>
             <a:endParaRPr lang="en-US" dirty="0"/>
           </a:p>
@@ -7930,7 +7951,7 @@
           <a:p>
             <a:fld id="{48A87A34-81AB-432B-8DAE-1953F412C126}" type="datetimeFigureOut">
               <a:rPr lang="en-US" smtClean="0"/>
-              <a:t>12/5/2024</a:t>
+              <a:t>12/11/2024</a:t>
             </a:fld>
             <a:endParaRPr lang="en-US" dirty="0"/>
           </a:p>
@@ -8025,7 +8046,7 @@
           <a:p>
             <a:fld id="{48A87A34-81AB-432B-8DAE-1953F412C126}" type="datetimeFigureOut">
               <a:rPr lang="en-US" smtClean="0"/>
-              <a:t>12/5/2024</a:t>
+              <a:t>12/11/2024</a:t>
             </a:fld>
             <a:endParaRPr lang="en-US" dirty="0"/>
           </a:p>
@@ -8276,7 +8297,7 @@
           <a:p>
             <a:fld id="{48A87A34-81AB-432B-8DAE-1953F412C126}" type="datetimeFigureOut">
               <a:rPr lang="en-US" smtClean="0"/>
-              <a:t>12/5/2024</a:t>
+              <a:t>12/11/2024</a:t>
             </a:fld>
             <a:endParaRPr lang="en-US" dirty="0"/>
           </a:p>
@@ -8564,7 +8585,7 @@
             <a:fld id="{48A87A34-81AB-432B-8DAE-1953F412C126}" type="datetimeFigureOut">
               <a:rPr lang="en-US" smtClean="0"/>
               <a:pPr/>
-              <a:t>12/5/2024</a:t>
+              <a:t>12/11/2024</a:t>
             </a:fld>
             <a:endParaRPr lang="en-US" dirty="0"/>
           </a:p>
@@ -8778,7 +8799,7 @@
             <a:fld id="{48A87A34-81AB-432B-8DAE-1953F412C126}" type="datetimeFigureOut">
               <a:rPr lang="en-US" smtClean="0"/>
               <a:pPr/>
-              <a:t>12/5/2024</a:t>
+              <a:t>12/11/2024</a:t>
             </a:fld>
             <a:endParaRPr lang="en-US" dirty="0"/>
           </a:p>
@@ -9298,7 +9319,11 @@
             </a:br>
             <a:r>
               <a:rPr lang="he-IL" sz="6600" dirty="0"/>
-              <a:t>תרגול 8</a:t>
+              <a:t>תרגול </a:t>
+            </a:r>
+            <a:r>
+              <a:rPr lang="en-US" sz="6600" dirty="0"/>
+              <a:t>6</a:t>
             </a:r>
             <a:br>
               <a:rPr lang="he-IL" sz="6600" dirty="0"/>

--- a/TA 6/TA6.pptx
+++ b/TA 6/TA6.pptx
@@ -5,31 +5,32 @@
     <p:sldMasterId id="2147483661" r:id="rId1"/>
   </p:sldMasterIdLst>
   <p:notesMasterIdLst>
-    <p:notesMasterId r:id="rId24"/>
+    <p:notesMasterId r:id="rId25"/>
   </p:notesMasterIdLst>
   <p:sldIdLst>
     <p:sldId id="466" r:id="rId2"/>
-    <p:sldId id="496" r:id="rId3"/>
-    <p:sldId id="498" r:id="rId4"/>
-    <p:sldId id="503" r:id="rId5"/>
-    <p:sldId id="499" r:id="rId6"/>
-    <p:sldId id="501" r:id="rId7"/>
-    <p:sldId id="502" r:id="rId8"/>
-    <p:sldId id="504" r:id="rId9"/>
-    <p:sldId id="505" r:id="rId10"/>
-    <p:sldId id="481" r:id="rId11"/>
-    <p:sldId id="483" r:id="rId12"/>
-    <p:sldId id="506" r:id="rId13"/>
-    <p:sldId id="484" r:id="rId14"/>
-    <p:sldId id="482" r:id="rId15"/>
-    <p:sldId id="440" r:id="rId16"/>
-    <p:sldId id="487" r:id="rId17"/>
-    <p:sldId id="488" r:id="rId18"/>
-    <p:sldId id="489" r:id="rId19"/>
-    <p:sldId id="490" r:id="rId20"/>
-    <p:sldId id="492" r:id="rId21"/>
-    <p:sldId id="493" r:id="rId22"/>
-    <p:sldId id="494" r:id="rId23"/>
+    <p:sldId id="507" r:id="rId3"/>
+    <p:sldId id="496" r:id="rId4"/>
+    <p:sldId id="498" r:id="rId5"/>
+    <p:sldId id="503" r:id="rId6"/>
+    <p:sldId id="499" r:id="rId7"/>
+    <p:sldId id="501" r:id="rId8"/>
+    <p:sldId id="502" r:id="rId9"/>
+    <p:sldId id="504" r:id="rId10"/>
+    <p:sldId id="505" r:id="rId11"/>
+    <p:sldId id="481" r:id="rId12"/>
+    <p:sldId id="483" r:id="rId13"/>
+    <p:sldId id="506" r:id="rId14"/>
+    <p:sldId id="484" r:id="rId15"/>
+    <p:sldId id="482" r:id="rId16"/>
+    <p:sldId id="440" r:id="rId17"/>
+    <p:sldId id="487" r:id="rId18"/>
+    <p:sldId id="488" r:id="rId19"/>
+    <p:sldId id="489" r:id="rId20"/>
+    <p:sldId id="490" r:id="rId21"/>
+    <p:sldId id="492" r:id="rId22"/>
+    <p:sldId id="493" r:id="rId23"/>
+    <p:sldId id="494" r:id="rId24"/>
   </p:sldIdLst>
   <p:sldSz cx="12192000" cy="6858000"/>
   <p:notesSz cx="6858000" cy="9144000"/>
@@ -136,12 +137,20 @@
 </p:presentation>
 </file>
 
+<file path=ppt/revisionInfo.xml><?xml version="1.0" encoding="utf-8"?>
+<p1510:revInfo xmlns:a="http://schemas.openxmlformats.org/drawingml/2006/main" xmlns:r="http://schemas.openxmlformats.org/officeDocument/2006/relationships" xmlns:p1510="http://schemas.microsoft.com/office/powerpoint/2015/10/main">
+  <p1510:revLst>
+    <p1510:client id="{14043DD7-5C20-4108-84BC-7346B11B1104}" v="1" dt="2024-12-12T06:20:50.686"/>
+  </p1510:revLst>
+</p1510:revInfo>
+</file>
+
 <file path=ppt/changesInfos/changesInfo1.xml><?xml version="1.0" encoding="utf-8"?>
 <pc:chgInfo xmlns:a="http://schemas.openxmlformats.org/drawingml/2006/main" xmlns:r="http://schemas.openxmlformats.org/officeDocument/2006/relationships" xmlns:ac="http://schemas.microsoft.com/office/drawing/2013/main/command" xmlns:pc="http://schemas.microsoft.com/office/powerpoint/2013/main/command">
   <pc:docChgLst>
     <pc:chgData name="משה עופר" userId="be54d6cb-761f-4aec-b214-5cfcb9fa6e02" providerId="ADAL" clId="{14043DD7-5C20-4108-84BC-7346B11B1104}"/>
-    <pc:docChg chg="modSld">
-      <pc:chgData name="משה עופר" userId="be54d6cb-761f-4aec-b214-5cfcb9fa6e02" providerId="ADAL" clId="{14043DD7-5C20-4108-84BC-7346B11B1104}" dt="2024-12-11T07:15:02.962" v="1" actId="20577"/>
+    <pc:docChg chg="custSel addSld modSld">
+      <pc:chgData name="משה עופר" userId="be54d6cb-761f-4aec-b214-5cfcb9fa6e02" providerId="ADAL" clId="{14043DD7-5C20-4108-84BC-7346B11B1104}" dt="2024-12-12T06:21:21.274" v="11" actId="1076"/>
       <pc:docMkLst>
         <pc:docMk/>
       </pc:docMkLst>
@@ -159,6 +168,37 @@
             <ac:spMk id="11" creationId="{22783F95-C5A6-AC8F-27C6-6623D12CDB25}"/>
           </ac:spMkLst>
         </pc:spChg>
+      </pc:sldChg>
+      <pc:sldChg chg="addSp delSp modSp new mod modAnim">
+        <pc:chgData name="משה עופר" userId="be54d6cb-761f-4aec-b214-5cfcb9fa6e02" providerId="ADAL" clId="{14043DD7-5C20-4108-84BC-7346B11B1104}" dt="2024-12-12T06:21:21.274" v="11" actId="1076"/>
+        <pc:sldMkLst>
+          <pc:docMk/>
+          <pc:sldMk cId="1511253578" sldId="507"/>
+        </pc:sldMkLst>
+        <pc:spChg chg="del">
+          <ac:chgData name="משה עופר" userId="be54d6cb-761f-4aec-b214-5cfcb9fa6e02" providerId="ADAL" clId="{14043DD7-5C20-4108-84BC-7346B11B1104}" dt="2024-12-12T06:20:36.757" v="3" actId="478"/>
+          <ac:spMkLst>
+            <pc:docMk/>
+            <pc:sldMk cId="1511253578" sldId="507"/>
+            <ac:spMk id="2" creationId="{D1ACCC54-37E9-7686-B87B-227C2BAC9C75}"/>
+          </ac:spMkLst>
+        </pc:spChg>
+        <pc:spChg chg="del">
+          <ac:chgData name="משה עופר" userId="be54d6cb-761f-4aec-b214-5cfcb9fa6e02" providerId="ADAL" clId="{14043DD7-5C20-4108-84BC-7346B11B1104}" dt="2024-12-12T06:20:50.686" v="4"/>
+          <ac:spMkLst>
+            <pc:docMk/>
+            <pc:sldMk cId="1511253578" sldId="507"/>
+            <ac:spMk id="3" creationId="{89A25253-66B2-483C-A96B-2603DB7A5F20}"/>
+          </ac:spMkLst>
+        </pc:spChg>
+        <pc:picChg chg="add mod">
+          <ac:chgData name="משה עופר" userId="be54d6cb-761f-4aec-b214-5cfcb9fa6e02" providerId="ADAL" clId="{14043DD7-5C20-4108-84BC-7346B11B1104}" dt="2024-12-12T06:21:21.274" v="11" actId="1076"/>
+          <ac:picMkLst>
+            <pc:docMk/>
+            <pc:sldMk cId="1511253578" sldId="507"/>
+            <ac:picMk id="4" creationId="{BA1DBC8E-640D-9881-419B-976AC6CFC34C}"/>
+          </ac:picMkLst>
+        </pc:picChg>
       </pc:sldChg>
     </pc:docChg>
   </pc:docChgLst>
@@ -247,7 +287,7 @@
           <a:p>
             <a:fld id="{8CAA52B5-77FE-4A80-AFEA-FC2B708EFBF0}" type="datetimeFigureOut">
               <a:rPr lang="he-IL" smtClean="0"/>
-              <a:t>י'/כסלו/תשפ"ה</a:t>
+              <a:t>י"א/כסלו/תשפ"ה</a:t>
             </a:fld>
             <a:endParaRPr lang="he-IL"/>
           </a:p>
@@ -674,7 +714,7 @@
                 <a:tabLst/>
                 <a:defRPr/>
               </a:pPr>
-              <a:t>2</a:t>
+              <a:t>3</a:t>
             </a:fld>
             <a:endParaRPr kumimoji="0" lang="he-IL" sz="1200" b="0" i="0" u="none" strike="noStrike" kern="1200" cap="none" spc="0" normalizeH="0" baseline="0" noProof="0">
               <a:ln>
@@ -771,7 +811,7 @@
           <a:p>
             <a:fld id="{9801F83C-E8FF-4EAB-9F3A-F258AED6357B}" type="slidenum">
               <a:rPr lang="he-IL" smtClean="0"/>
-              <a:t>16</a:t>
+              <a:t>17</a:t>
             </a:fld>
             <a:endParaRPr lang="he-IL"/>
           </a:p>
@@ -855,7 +895,7 @@
           <a:p>
             <a:fld id="{9801F83C-E8FF-4EAB-9F3A-F258AED6357B}" type="slidenum">
               <a:rPr lang="he-IL" smtClean="0"/>
-              <a:t>17</a:t>
+              <a:t>18</a:t>
             </a:fld>
             <a:endParaRPr lang="he-IL"/>
           </a:p>
@@ -939,7 +979,7 @@
           <a:p>
             <a:fld id="{9801F83C-E8FF-4EAB-9F3A-F258AED6357B}" type="slidenum">
               <a:rPr lang="he-IL" smtClean="0"/>
-              <a:t>18</a:t>
+              <a:t>19</a:t>
             </a:fld>
             <a:endParaRPr lang="he-IL"/>
           </a:p>
@@ -1060,7 +1100,7 @@
           <a:p>
             <a:fld id="{9801F83C-E8FF-4EAB-9F3A-F258AED6357B}" type="slidenum">
               <a:rPr lang="he-IL" smtClean="0"/>
-              <a:t>19</a:t>
+              <a:t>20</a:t>
             </a:fld>
             <a:endParaRPr lang="he-IL"/>
           </a:p>
@@ -1208,7 +1248,7 @@
           <a:p>
             <a:fld id="{9801F83C-E8FF-4EAB-9F3A-F258AED6357B}" type="slidenum">
               <a:rPr lang="he-IL" smtClean="0"/>
-              <a:t>20</a:t>
+              <a:t>21</a:t>
             </a:fld>
             <a:endParaRPr lang="he-IL"/>
           </a:p>
@@ -1359,7 +1399,7 @@
           <a:p>
             <a:fld id="{9801F83C-E8FF-4EAB-9F3A-F258AED6357B}" type="slidenum">
               <a:rPr lang="he-IL" smtClean="0"/>
-              <a:t>21</a:t>
+              <a:t>22</a:t>
             </a:fld>
             <a:endParaRPr lang="he-IL"/>
           </a:p>
@@ -1541,7 +1581,7 @@
           <a:p>
             <a:fld id="{9801F83C-E8FF-4EAB-9F3A-F258AED6357B}" type="slidenum">
               <a:rPr lang="he-IL" smtClean="0"/>
-              <a:t>22</a:t>
+              <a:t>23</a:t>
             </a:fld>
             <a:endParaRPr lang="he-IL"/>
           </a:p>
@@ -1795,198 +1835,6 @@
             <a:extLst>
               <a:ext uri="{FF2B5EF4-FFF2-40B4-BE49-F238E27FC236}">
                 <a16:creationId xmlns:a16="http://schemas.microsoft.com/office/drawing/2014/main" id="{657F79DF-2EDB-40A2-0D6D-C79DE9FEEB58}"/>
-              </a:ext>
-            </a:extLst>
-          </p:cNvPr>
-          <p:cNvSpPr>
-            <a:spLocks noGrp="1"/>
-          </p:cNvSpPr>
-          <p:nvPr>
-            <p:ph type="sldNum" sz="quarter" idx="10"/>
-          </p:nvPr>
-        </p:nvSpPr>
-        <p:spPr/>
-        <p:txBody>
-          <a:bodyPr/>
-          <a:lstStyle/>
-          <a:p>
-            <a:pPr marL="0" marR="0" lvl="0" indent="0" algn="l" defTabSz="457200" rtl="0" eaLnBrk="1" fontAlgn="auto" latinLnBrk="0" hangingPunct="1">
-              <a:lnSpc>
-                <a:spcPct val="100000"/>
-              </a:lnSpc>
-              <a:spcBef>
-                <a:spcPts val="0"/>
-              </a:spcBef>
-              <a:spcAft>
-                <a:spcPts val="0"/>
-              </a:spcAft>
-              <a:buClrTx/>
-              <a:buSzTx/>
-              <a:buFontTx/>
-              <a:buNone/>
-              <a:tabLst/>
-              <a:defRPr/>
-            </a:pPr>
-            <a:fld id="{9801F83C-E8FF-4EAB-9F3A-F258AED6357B}" type="slidenum">
-              <a:rPr kumimoji="0" lang="he-IL" sz="1200" b="0" i="0" u="none" strike="noStrike" kern="1200" cap="none" spc="0" normalizeH="0" baseline="0" noProof="0" smtClean="0">
-                <a:ln>
-                  <a:noFill/>
-                </a:ln>
-                <a:solidFill>
-                  <a:prstClr val="black"/>
-                </a:solidFill>
-                <a:effectLst/>
-                <a:uLnTx/>
-                <a:uFillTx/>
-                <a:latin typeface="Calibri" panose="020F0502020204030204"/>
-                <a:ea typeface="+mn-ea"/>
-                <a:cs typeface="Arial" panose="020B0604020202020204" pitchFamily="34" charset="0"/>
-              </a:rPr>
-              <a:pPr marL="0" marR="0" lvl="0" indent="0" algn="l" defTabSz="457200" rtl="0" eaLnBrk="1" fontAlgn="auto" latinLnBrk="0" hangingPunct="1">
-                <a:lnSpc>
-                  <a:spcPct val="100000"/>
-                </a:lnSpc>
-                <a:spcBef>
-                  <a:spcPts val="0"/>
-                </a:spcBef>
-                <a:spcAft>
-                  <a:spcPts val="0"/>
-                </a:spcAft>
-                <a:buClrTx/>
-                <a:buSzTx/>
-                <a:buFontTx/>
-                <a:buNone/>
-                <a:tabLst/>
-                <a:defRPr/>
-              </a:pPr>
-              <a:t>3</a:t>
-            </a:fld>
-            <a:endParaRPr kumimoji="0" lang="he-IL" sz="1200" b="0" i="0" u="none" strike="noStrike" kern="1200" cap="none" spc="0" normalizeH="0" baseline="0" noProof="0">
-              <a:ln>
-                <a:noFill/>
-              </a:ln>
-              <a:solidFill>
-                <a:prstClr val="black"/>
-              </a:solidFill>
-              <a:effectLst/>
-              <a:uLnTx/>
-              <a:uFillTx/>
-              <a:latin typeface="Calibri" panose="020F0502020204030204"/>
-              <a:ea typeface="+mn-ea"/>
-              <a:cs typeface="Arial" panose="020B0604020202020204" pitchFamily="34" charset="0"/>
-            </a:endParaRPr>
-          </a:p>
-        </p:txBody>
-      </p:sp>
-    </p:spTree>
-    <p:extLst>
-      <p:ext uri="{BB962C8B-B14F-4D97-AF65-F5344CB8AC3E}">
-        <p14:creationId xmlns:p14="http://schemas.microsoft.com/office/powerpoint/2010/main" val="503374792"/>
-      </p:ext>
-    </p:extLst>
-  </p:cSld>
-  <p:clrMapOvr>
-    <a:masterClrMapping/>
-  </p:clrMapOvr>
-</p:notes>
-</file>
-
-<file path=ppt/notesSlides/notesSlide3.xml><?xml version="1.0" encoding="utf-8"?>
-<p:notes xmlns:a="http://schemas.openxmlformats.org/drawingml/2006/main" xmlns:r="http://schemas.openxmlformats.org/officeDocument/2006/relationships" xmlns:p="http://schemas.openxmlformats.org/presentationml/2006/main">
-  <p:cSld>
-    <p:spTree>
-      <p:nvGrpSpPr>
-        <p:cNvPr id="1" name="">
-          <a:extLst>
-            <a:ext uri="{FF2B5EF4-FFF2-40B4-BE49-F238E27FC236}">
-              <a16:creationId xmlns:a16="http://schemas.microsoft.com/office/drawing/2014/main" id="{F6B28088-11E2-E530-EE5A-EC40F2E7912E}"/>
-            </a:ext>
-          </a:extLst>
-        </p:cNvPr>
-        <p:cNvGrpSpPr/>
-        <p:nvPr/>
-      </p:nvGrpSpPr>
-      <p:grpSpPr>
-        <a:xfrm>
-          <a:off x="0" y="0"/>
-          <a:ext cx="0" cy="0"/>
-          <a:chOff x="0" y="0"/>
-          <a:chExt cx="0" cy="0"/>
-        </a:xfrm>
-      </p:grpSpPr>
-      <p:sp>
-        <p:nvSpPr>
-          <p:cNvPr id="2" name="מציין מיקום של תמונת שקופית 1">
-            <a:extLst>
-              <a:ext uri="{FF2B5EF4-FFF2-40B4-BE49-F238E27FC236}">
-                <a16:creationId xmlns:a16="http://schemas.microsoft.com/office/drawing/2014/main" id="{B33C5ACF-1109-48BB-CDF1-EDB0EE374E3E}"/>
-              </a:ext>
-            </a:extLst>
-          </p:cNvPr>
-          <p:cNvSpPr>
-            <a:spLocks noGrp="1" noRot="1" noChangeAspect="1"/>
-          </p:cNvSpPr>
-          <p:nvPr>
-            <p:ph type="sldImg"/>
-          </p:nvPr>
-        </p:nvSpPr>
-        <p:spPr/>
-      </p:sp>
-      <p:sp>
-        <p:nvSpPr>
-          <p:cNvPr id="3" name="מציין מיקום של הערות 2">
-            <a:extLst>
-              <a:ext uri="{FF2B5EF4-FFF2-40B4-BE49-F238E27FC236}">
-                <a16:creationId xmlns:a16="http://schemas.microsoft.com/office/drawing/2014/main" id="{8C2A4D60-CCAD-66DC-87EE-4EB244F00BA5}"/>
-              </a:ext>
-            </a:extLst>
-          </p:cNvPr>
-          <p:cNvSpPr>
-            <a:spLocks noGrp="1"/>
-          </p:cNvSpPr>
-          <p:nvPr>
-            <p:ph type="body" idx="1"/>
-          </p:nvPr>
-        </p:nvSpPr>
-        <p:spPr/>
-        <p:txBody>
-          <a:bodyPr/>
-          <a:lstStyle/>
-          <a:p>
-            <a:pPr marL="0" marR="0" lvl="0" indent="0" algn="r" defTabSz="914400" rtl="1" eaLnBrk="1" fontAlgn="auto" latinLnBrk="0" hangingPunct="1">
-              <a:lnSpc>
-                <a:spcPct val="100000"/>
-              </a:lnSpc>
-              <a:spcBef>
-                <a:spcPts val="0"/>
-              </a:spcBef>
-              <a:spcAft>
-                <a:spcPts val="0"/>
-              </a:spcAft>
-              <a:buClrTx/>
-              <a:buSzTx/>
-              <a:buFontTx/>
-              <a:buNone/>
-              <a:tabLst/>
-              <a:defRPr/>
-            </a:pPr>
-            <a:r>
-              <a:rPr lang="en-US" u="none" dirty="0"/>
-              <a:t>Iterator </a:t>
-            </a:r>
-            <a:r>
-              <a:rPr lang="he-IL" u="none" dirty="0"/>
-              <a:t> הוא דפוס עיצוב התנהגותי המאפשר לך לעבור אלמנטים של אוסף מבלי לחשוף את הייצוג הבסיסי שלו (רשימה, ערימה, עץ וכו').</a:t>
-            </a:r>
-          </a:p>
-        </p:txBody>
-      </p:sp>
-      <p:sp>
-        <p:nvSpPr>
-          <p:cNvPr id="4" name="מציין מיקום של מספר שקופית 3">
-            <a:extLst>
-              <a:ext uri="{FF2B5EF4-FFF2-40B4-BE49-F238E27FC236}">
-                <a16:creationId xmlns:a16="http://schemas.microsoft.com/office/drawing/2014/main" id="{773A2FB0-B85A-2970-0133-4E2EED09CB58}"/>
               </a:ext>
             </a:extLst>
           </p:cNvPr>
@@ -2073,7 +1921,7 @@
     </p:spTree>
     <p:extLst>
       <p:ext uri="{BB962C8B-B14F-4D97-AF65-F5344CB8AC3E}">
-        <p14:creationId xmlns:p14="http://schemas.microsoft.com/office/powerpoint/2010/main" val="2942403089"/>
+        <p14:creationId xmlns:p14="http://schemas.microsoft.com/office/powerpoint/2010/main" val="503374792"/>
       </p:ext>
     </p:extLst>
   </p:cSld>
@@ -2083,7 +1931,7 @@
 </p:notes>
 </file>
 
-<file path=ppt/notesSlides/notesSlide4.xml><?xml version="1.0" encoding="utf-8"?>
+<file path=ppt/notesSlides/notesSlide3.xml><?xml version="1.0" encoding="utf-8"?>
 <p:notes xmlns:a="http://schemas.openxmlformats.org/drawingml/2006/main" xmlns:r="http://schemas.openxmlformats.org/officeDocument/2006/relationships" xmlns:p="http://schemas.openxmlformats.org/presentationml/2006/main">
   <p:cSld>
     <p:spTree>
@@ -2091,7 +1939,7 @@
         <p:cNvPr id="1" name="">
           <a:extLst>
             <a:ext uri="{FF2B5EF4-FFF2-40B4-BE49-F238E27FC236}">
-              <a16:creationId xmlns:a16="http://schemas.microsoft.com/office/drawing/2014/main" id="{A74A4066-E416-9AC2-2230-17BA86105B73}"/>
+              <a16:creationId xmlns:a16="http://schemas.microsoft.com/office/drawing/2014/main" id="{F6B28088-11E2-E530-EE5A-EC40F2E7912E}"/>
             </a:ext>
           </a:extLst>
         </p:cNvPr>
@@ -2111,7 +1959,7 @@
           <p:cNvPr id="2" name="מציין מיקום של תמונת שקופית 1">
             <a:extLst>
               <a:ext uri="{FF2B5EF4-FFF2-40B4-BE49-F238E27FC236}">
-                <a16:creationId xmlns:a16="http://schemas.microsoft.com/office/drawing/2014/main" id="{1135D1BB-A365-FA0B-6488-5DCD26AD2AC2}"/>
+                <a16:creationId xmlns:a16="http://schemas.microsoft.com/office/drawing/2014/main" id="{B33C5ACF-1109-48BB-CDF1-EDB0EE374E3E}"/>
               </a:ext>
             </a:extLst>
           </p:cNvPr>
@@ -2129,7 +1977,7 @@
           <p:cNvPr id="3" name="מציין מיקום של הערות 2">
             <a:extLst>
               <a:ext uri="{FF2B5EF4-FFF2-40B4-BE49-F238E27FC236}">
-                <a16:creationId xmlns:a16="http://schemas.microsoft.com/office/drawing/2014/main" id="{33FA768F-7B8F-F189-729E-77E942F53218}"/>
+                <a16:creationId xmlns:a16="http://schemas.microsoft.com/office/drawing/2014/main" id="{8C2A4D60-CCAD-66DC-87EE-4EB244F00BA5}"/>
               </a:ext>
             </a:extLst>
           </p:cNvPr>
@@ -2163,171 +2011,12 @@
               <a:defRPr/>
             </a:pPr>
             <a:r>
-              <a:rPr lang="he-IL" u="sng" dirty="0"/>
-              <a:t>מעבר של מבני נתונים מורכבים:</a:t>
-            </a:r>
-          </a:p>
-          <a:p>
-            <a:pPr marL="0" marR="0" lvl="0" indent="0" algn="r" defTabSz="914400" rtl="1" eaLnBrk="1" fontAlgn="auto" latinLnBrk="0" hangingPunct="1">
-              <a:lnSpc>
-                <a:spcPct val="100000"/>
-              </a:lnSpc>
-              <a:spcBef>
-                <a:spcPts val="0"/>
-              </a:spcBef>
-              <a:spcAft>
-                <a:spcPts val="0"/>
-              </a:spcAft>
-              <a:buClrTx/>
-              <a:buSzTx/>
-              <a:buFontTx/>
-              <a:buNone/>
-              <a:tabLst/>
-              <a:defRPr/>
-            </a:pPr>
+              <a:rPr lang="en-US" u="none" dirty="0"/>
+              <a:t>Iterator </a:t>
+            </a:r>
             <a:r>
               <a:rPr lang="he-IL" u="none" dirty="0"/>
-              <a:t>מעבר במבני נתונים פשוטים כמו רשימות הוא פשוט - אתה חוזר על האלמנטים ברצף. </a:t>
-            </a:r>
-          </a:p>
-          <a:p>
-            <a:pPr marL="0" marR="0" lvl="0" indent="0" algn="r" defTabSz="914400" rtl="1" eaLnBrk="1" fontAlgn="auto" latinLnBrk="0" hangingPunct="1">
-              <a:lnSpc>
-                <a:spcPct val="100000"/>
-              </a:lnSpc>
-              <a:spcBef>
-                <a:spcPts val="0"/>
-              </a:spcBef>
-              <a:spcAft>
-                <a:spcPts val="0"/>
-              </a:spcAft>
-              <a:buClrTx/>
-              <a:buSzTx/>
-              <a:buFontTx/>
-              <a:buNone/>
-              <a:tabLst/>
-              <a:defRPr/>
-            </a:pPr>
-            <a:r>
-              <a:rPr lang="he-IL" u="none" dirty="0"/>
-              <a:t>עם זאת, חציית מבנים מורכבים כמו עצים או גרפים מצריכה אלגוריתמים ספציפיים כמו חציית עומק-ראשון, חציית רוחב-ראשונה </a:t>
-            </a:r>
-            <a:r>
-              <a:rPr lang="he-IL" u="none" dirty="0" err="1"/>
-              <a:t>וכו</a:t>
-            </a:r>
-            <a:r>
-              <a:rPr lang="he-IL" u="none" dirty="0"/>
-              <a:t>'.</a:t>
-            </a:r>
-          </a:p>
-          <a:p>
-            <a:pPr marL="0" marR="0" lvl="0" indent="0" algn="r" defTabSz="914400" rtl="1" eaLnBrk="1" fontAlgn="auto" latinLnBrk="0" hangingPunct="1">
-              <a:lnSpc>
-                <a:spcPct val="100000"/>
-              </a:lnSpc>
-              <a:spcBef>
-                <a:spcPts val="0"/>
-              </a:spcBef>
-              <a:spcAft>
-                <a:spcPts val="0"/>
-              </a:spcAft>
-              <a:buClrTx/>
-              <a:buSzTx/>
-              <a:buFontTx/>
-              <a:buNone/>
-              <a:tabLst/>
-              <a:defRPr/>
-            </a:pPr>
-            <a:endParaRPr lang="he-IL" u="none" dirty="0"/>
-          </a:p>
-          <a:p>
-            <a:pPr marL="0" marR="0" lvl="0" indent="0" algn="r" defTabSz="914400" rtl="1" eaLnBrk="1" fontAlgn="auto" latinLnBrk="0" hangingPunct="1">
-              <a:lnSpc>
-                <a:spcPct val="100000"/>
-              </a:lnSpc>
-              <a:spcBef>
-                <a:spcPts val="0"/>
-              </a:spcBef>
-              <a:spcAft>
-                <a:spcPts val="0"/>
-              </a:spcAft>
-              <a:buClrTx/>
-              <a:buSzTx/>
-              <a:buFontTx/>
-              <a:buNone/>
-              <a:tabLst/>
-              <a:defRPr/>
-            </a:pPr>
-            <a:r>
-              <a:rPr lang="he-IL" u="none" dirty="0"/>
-              <a:t>הדרישות למעבר עשויות להשתנות לאורך זמן או בהתאם ליישום.</a:t>
-            </a:r>
-          </a:p>
-          <a:p>
-            <a:pPr marL="0" marR="0" lvl="0" indent="0" algn="r" defTabSz="914400" rtl="1" eaLnBrk="1" fontAlgn="auto" latinLnBrk="0" hangingPunct="1">
-              <a:lnSpc>
-                <a:spcPct val="100000"/>
-              </a:lnSpc>
-              <a:spcBef>
-                <a:spcPts val="0"/>
-              </a:spcBef>
-              <a:spcAft>
-                <a:spcPts val="0"/>
-              </a:spcAft>
-              <a:buClrTx/>
-              <a:buSzTx/>
-              <a:buFontTx/>
-              <a:buNone/>
-              <a:tabLst/>
-              <a:defRPr/>
-            </a:pPr>
-            <a:r>
-              <a:rPr lang="he-IL" u="none" dirty="0"/>
-              <a:t>לדוגמה, יום אחד אולי תזדקק למעבר עומק-ראשון, אבל מאוחר יותר ייתכן שתזדקק לחציית רוחב-ראשון.</a:t>
-            </a:r>
-          </a:p>
-          <a:p>
-            <a:pPr marL="0" marR="0" lvl="0" indent="0" algn="r" defTabSz="914400" rtl="1" eaLnBrk="1" fontAlgn="auto" latinLnBrk="0" hangingPunct="1">
-              <a:lnSpc>
-                <a:spcPct val="100000"/>
-              </a:lnSpc>
-              <a:spcBef>
-                <a:spcPts val="0"/>
-              </a:spcBef>
-              <a:spcAft>
-                <a:spcPts val="0"/>
-              </a:spcAft>
-              <a:buClrTx/>
-              <a:buSzTx/>
-              <a:buFontTx/>
-              <a:buNone/>
-              <a:tabLst/>
-              <a:defRPr/>
-            </a:pPr>
-            <a:endParaRPr lang="he-IL" u="none" dirty="0"/>
-          </a:p>
-          <a:p>
-            <a:pPr marL="0" marR="0" lvl="0" indent="0" algn="r" defTabSz="914400" rtl="1" eaLnBrk="1" fontAlgn="auto" latinLnBrk="0" hangingPunct="1">
-              <a:lnSpc>
-                <a:spcPct val="100000"/>
-              </a:lnSpc>
-              <a:spcBef>
-                <a:spcPts val="0"/>
-              </a:spcBef>
-              <a:spcAft>
-                <a:spcPts val="0"/>
-              </a:spcAft>
-              <a:buClrTx/>
-              <a:buSzTx/>
-              <a:buFontTx/>
-              <a:buNone/>
-              <a:tabLst/>
-              <a:defRPr/>
-            </a:pPr>
-            <a:r>
-              <a:rPr lang="he-IL" u="none" dirty="0"/>
-              <a:t>הכללת כל אלגוריתמי המעבר האפשריים בתוך מחלקת איסוף עלולה להוביל לנפיחות ובלבול, במיוחד אם אלגוריתמים מסוימים ספציפיים ליישומים מסוימים.</a:t>
+              <a:t> הוא דפוס עיצוב התנהגותי המאפשר לך לעבור אלמנטים של אוסף מבלי לחשוף את הייצוג הבסיסי שלו (רשימה, ערימה, עץ וכו').</a:t>
             </a:r>
           </a:p>
         </p:txBody>
@@ -2337,7 +2026,7 @@
           <p:cNvPr id="4" name="מציין מיקום של מספר שקופית 3">
             <a:extLst>
               <a:ext uri="{FF2B5EF4-FFF2-40B4-BE49-F238E27FC236}">
-                <a16:creationId xmlns:a16="http://schemas.microsoft.com/office/drawing/2014/main" id="{D195D930-1B4B-BFDF-A1F3-A61BD89A3DA7}"/>
+                <a16:creationId xmlns:a16="http://schemas.microsoft.com/office/drawing/2014/main" id="{773A2FB0-B85A-2970-0133-4E2EED09CB58}"/>
               </a:ext>
             </a:extLst>
           </p:cNvPr>
@@ -2424,7 +2113,7 @@
     </p:spTree>
     <p:extLst>
       <p:ext uri="{BB962C8B-B14F-4D97-AF65-F5344CB8AC3E}">
-        <p14:creationId xmlns:p14="http://schemas.microsoft.com/office/powerpoint/2010/main" val="560427275"/>
+        <p14:creationId xmlns:p14="http://schemas.microsoft.com/office/powerpoint/2010/main" val="2942403089"/>
       </p:ext>
     </p:extLst>
   </p:cSld>
@@ -2434,7 +2123,7 @@
 </p:notes>
 </file>
 
-<file path=ppt/notesSlides/notesSlide5.xml><?xml version="1.0" encoding="utf-8"?>
+<file path=ppt/notesSlides/notesSlide4.xml><?xml version="1.0" encoding="utf-8"?>
 <p:notes xmlns:a="http://schemas.openxmlformats.org/drawingml/2006/main" xmlns:r="http://schemas.openxmlformats.org/officeDocument/2006/relationships" xmlns:p="http://schemas.openxmlformats.org/presentationml/2006/main">
   <p:cSld>
     <p:spTree>
@@ -2442,7 +2131,7 @@
         <p:cNvPr id="1" name="">
           <a:extLst>
             <a:ext uri="{FF2B5EF4-FFF2-40B4-BE49-F238E27FC236}">
-              <a16:creationId xmlns:a16="http://schemas.microsoft.com/office/drawing/2014/main" id="{7711F925-37E2-3320-B17D-2912D3CCFD1A}"/>
+              <a16:creationId xmlns:a16="http://schemas.microsoft.com/office/drawing/2014/main" id="{A74A4066-E416-9AC2-2230-17BA86105B73}"/>
             </a:ext>
           </a:extLst>
         </p:cNvPr>
@@ -2462,7 +2151,7 @@
           <p:cNvPr id="2" name="מציין מיקום של תמונת שקופית 1">
             <a:extLst>
               <a:ext uri="{FF2B5EF4-FFF2-40B4-BE49-F238E27FC236}">
-                <a16:creationId xmlns:a16="http://schemas.microsoft.com/office/drawing/2014/main" id="{0A3123D1-9460-FFEE-9692-2AD079105633}"/>
+                <a16:creationId xmlns:a16="http://schemas.microsoft.com/office/drawing/2014/main" id="{1135D1BB-A365-FA0B-6488-5DCD26AD2AC2}"/>
               </a:ext>
             </a:extLst>
           </p:cNvPr>
@@ -2480,7 +2169,7 @@
           <p:cNvPr id="3" name="מציין מיקום של הערות 2">
             <a:extLst>
               <a:ext uri="{FF2B5EF4-FFF2-40B4-BE49-F238E27FC236}">
-                <a16:creationId xmlns:a16="http://schemas.microsoft.com/office/drawing/2014/main" id="{983119BD-D071-0089-4EC2-F18894D395D8}"/>
+                <a16:creationId xmlns:a16="http://schemas.microsoft.com/office/drawing/2014/main" id="{33FA768F-7B8F-F189-729E-77E942F53218}"/>
               </a:ext>
             </a:extLst>
           </p:cNvPr>
@@ -2514,24 +2203,8 @@
               <a:defRPr/>
             </a:pPr>
             <a:r>
-              <a:rPr lang="he-IL" u="none" dirty="0"/>
-              <a:t>הרעיון המרכזי של דפוס </a:t>
-            </a:r>
-            <a:r>
-              <a:rPr lang="he-IL" u="none" dirty="0" err="1"/>
-              <a:t>האיטרטור</a:t>
-            </a:r>
-            <a:r>
-              <a:rPr lang="he-IL" u="none" dirty="0"/>
-              <a:t> הוא לחלץ את התנהגות המעבר של אוסף לאובייקט נפרד הנקרא </a:t>
-            </a:r>
-            <a:r>
-              <a:rPr lang="he-IL" u="none" dirty="0" err="1"/>
-              <a:t>איטרטור</a:t>
-            </a:r>
-            <a:r>
-              <a:rPr lang="he-IL" u="none" dirty="0"/>
-              <a:t>.</a:t>
+              <a:rPr lang="he-IL" u="sng" dirty="0"/>
+              <a:t>מעבר של מבני נתונים מורכבים:</a:t>
             </a:r>
           </a:p>
           <a:p>
@@ -2552,7 +2225,10 @@
               <a:tabLst/>
               <a:defRPr/>
             </a:pPr>
-            <a:endParaRPr lang="he-IL" u="none" dirty="0"/>
+            <a:r>
+              <a:rPr lang="he-IL" u="none" dirty="0"/>
+              <a:t>מעבר במבני נתונים פשוטים כמו רשימות הוא פשוט - אתה חוזר על האלמנטים ברצף. </a:t>
+            </a:r>
           </a:p>
           <a:p>
             <a:pPr marL="0" marR="0" lvl="0" indent="0" algn="r" defTabSz="914400" rtl="1" eaLnBrk="1" fontAlgn="auto" latinLnBrk="0" hangingPunct="1">
@@ -2574,23 +2250,124 @@
             </a:pPr>
             <a:r>
               <a:rPr lang="he-IL" u="none" dirty="0"/>
-              <a:t>בנוסף ליישום האלגוריתם עצמו, אובייקט </a:t>
+              <a:t>עם זאת, חציית מבנים מורכבים כמו עצים או גרפים מצריכה אלגוריתמים ספציפיים כמו חציית עומק-ראשון, חציית רוחב-ראשונה </a:t>
             </a:r>
             <a:r>
               <a:rPr lang="he-IL" u="none" dirty="0" err="1"/>
-              <a:t>איטרטור</a:t>
+              <a:t>וכו</a:t>
             </a:r>
             <a:r>
               <a:rPr lang="he-IL" u="none" dirty="0"/>
-              <a:t> מכיל את פרטי המעבר, כגון המיקום הנוכחי וכמה אלמנטים נותרו עד הסוף. בגלל זה, מספר </a:t>
-            </a:r>
-            <a:r>
-              <a:rPr lang="he-IL" u="none" dirty="0" err="1"/>
-              <a:t>איטרטורים</a:t>
-            </a:r>
+              <a:t>'.</a:t>
+            </a:r>
+          </a:p>
+          <a:p>
+            <a:pPr marL="0" marR="0" lvl="0" indent="0" algn="r" defTabSz="914400" rtl="1" eaLnBrk="1" fontAlgn="auto" latinLnBrk="0" hangingPunct="1">
+              <a:lnSpc>
+                <a:spcPct val="100000"/>
+              </a:lnSpc>
+              <a:spcBef>
+                <a:spcPts val="0"/>
+              </a:spcBef>
+              <a:spcAft>
+                <a:spcPts val="0"/>
+              </a:spcAft>
+              <a:buClrTx/>
+              <a:buSzTx/>
+              <a:buFontTx/>
+              <a:buNone/>
+              <a:tabLst/>
+              <a:defRPr/>
+            </a:pPr>
+            <a:endParaRPr lang="he-IL" u="none" dirty="0"/>
+          </a:p>
+          <a:p>
+            <a:pPr marL="0" marR="0" lvl="0" indent="0" algn="r" defTabSz="914400" rtl="1" eaLnBrk="1" fontAlgn="auto" latinLnBrk="0" hangingPunct="1">
+              <a:lnSpc>
+                <a:spcPct val="100000"/>
+              </a:lnSpc>
+              <a:spcBef>
+                <a:spcPts val="0"/>
+              </a:spcBef>
+              <a:spcAft>
+                <a:spcPts val="0"/>
+              </a:spcAft>
+              <a:buClrTx/>
+              <a:buSzTx/>
+              <a:buFontTx/>
+              <a:buNone/>
+              <a:tabLst/>
+              <a:defRPr/>
+            </a:pPr>
             <a:r>
               <a:rPr lang="he-IL" u="none" dirty="0"/>
-              <a:t> יכולים לעבור את אותו אוסף בו-זמנית, ללא תלות זה בזה.</a:t>
+              <a:t>הדרישות למעבר עשויות להשתנות לאורך זמן או בהתאם ליישום.</a:t>
+            </a:r>
+          </a:p>
+          <a:p>
+            <a:pPr marL="0" marR="0" lvl="0" indent="0" algn="r" defTabSz="914400" rtl="1" eaLnBrk="1" fontAlgn="auto" latinLnBrk="0" hangingPunct="1">
+              <a:lnSpc>
+                <a:spcPct val="100000"/>
+              </a:lnSpc>
+              <a:spcBef>
+                <a:spcPts val="0"/>
+              </a:spcBef>
+              <a:spcAft>
+                <a:spcPts val="0"/>
+              </a:spcAft>
+              <a:buClrTx/>
+              <a:buSzTx/>
+              <a:buFontTx/>
+              <a:buNone/>
+              <a:tabLst/>
+              <a:defRPr/>
+            </a:pPr>
+            <a:r>
+              <a:rPr lang="he-IL" u="none" dirty="0"/>
+              <a:t>לדוגמה, יום אחד אולי תזדקק למעבר עומק-ראשון, אבל מאוחר יותר ייתכן שתזדקק לחציית רוחב-ראשון.</a:t>
+            </a:r>
+          </a:p>
+          <a:p>
+            <a:pPr marL="0" marR="0" lvl="0" indent="0" algn="r" defTabSz="914400" rtl="1" eaLnBrk="1" fontAlgn="auto" latinLnBrk="0" hangingPunct="1">
+              <a:lnSpc>
+                <a:spcPct val="100000"/>
+              </a:lnSpc>
+              <a:spcBef>
+                <a:spcPts val="0"/>
+              </a:spcBef>
+              <a:spcAft>
+                <a:spcPts val="0"/>
+              </a:spcAft>
+              <a:buClrTx/>
+              <a:buSzTx/>
+              <a:buFontTx/>
+              <a:buNone/>
+              <a:tabLst/>
+              <a:defRPr/>
+            </a:pPr>
+            <a:endParaRPr lang="he-IL" u="none" dirty="0"/>
+          </a:p>
+          <a:p>
+            <a:pPr marL="0" marR="0" lvl="0" indent="0" algn="r" defTabSz="914400" rtl="1" eaLnBrk="1" fontAlgn="auto" latinLnBrk="0" hangingPunct="1">
+              <a:lnSpc>
+                <a:spcPct val="100000"/>
+              </a:lnSpc>
+              <a:spcBef>
+                <a:spcPts val="0"/>
+              </a:spcBef>
+              <a:spcAft>
+                <a:spcPts val="0"/>
+              </a:spcAft>
+              <a:buClrTx/>
+              <a:buSzTx/>
+              <a:buFontTx/>
+              <a:buNone/>
+              <a:tabLst/>
+              <a:defRPr/>
+            </a:pPr>
+            <a:r>
+              <a:rPr lang="he-IL" u="none" dirty="0"/>
+              <a:t>הכללת כל אלגוריתמי המעבר האפשריים בתוך מחלקת איסוף עלולה להוביל לנפיחות ובלבול, במיוחד אם אלגוריתמים מסוימים ספציפיים ליישומים מסוימים.</a:t>
             </a:r>
           </a:p>
         </p:txBody>
@@ -2600,7 +2377,7 @@
           <p:cNvPr id="4" name="מציין מיקום של מספר שקופית 3">
             <a:extLst>
               <a:ext uri="{FF2B5EF4-FFF2-40B4-BE49-F238E27FC236}">
-                <a16:creationId xmlns:a16="http://schemas.microsoft.com/office/drawing/2014/main" id="{6C49CF24-C73C-EC0F-A23C-B2E6094FA5B4}"/>
+                <a16:creationId xmlns:a16="http://schemas.microsoft.com/office/drawing/2014/main" id="{D195D930-1B4B-BFDF-A1F3-A61BD89A3DA7}"/>
               </a:ext>
             </a:extLst>
           </p:cNvPr>
@@ -2687,7 +2464,7 @@
     </p:spTree>
     <p:extLst>
       <p:ext uri="{BB962C8B-B14F-4D97-AF65-F5344CB8AC3E}">
-        <p14:creationId xmlns:p14="http://schemas.microsoft.com/office/powerpoint/2010/main" val="2880150167"/>
+        <p14:creationId xmlns:p14="http://schemas.microsoft.com/office/powerpoint/2010/main" val="560427275"/>
       </p:ext>
     </p:extLst>
   </p:cSld>
@@ -2697,7 +2474,7 @@
 </p:notes>
 </file>
 
-<file path=ppt/notesSlides/notesSlide6.xml><?xml version="1.0" encoding="utf-8"?>
+<file path=ppt/notesSlides/notesSlide5.xml><?xml version="1.0" encoding="utf-8"?>
 <p:notes xmlns:a="http://schemas.openxmlformats.org/drawingml/2006/main" xmlns:r="http://schemas.openxmlformats.org/officeDocument/2006/relationships" xmlns:p="http://schemas.openxmlformats.org/presentationml/2006/main">
   <p:cSld>
     <p:spTree>
@@ -2705,7 +2482,7 @@
         <p:cNvPr id="1" name="">
           <a:extLst>
             <a:ext uri="{FF2B5EF4-FFF2-40B4-BE49-F238E27FC236}">
-              <a16:creationId xmlns:a16="http://schemas.microsoft.com/office/drawing/2014/main" id="{21AB4E7C-B242-6B22-198A-314551C963AC}"/>
+              <a16:creationId xmlns:a16="http://schemas.microsoft.com/office/drawing/2014/main" id="{7711F925-37E2-3320-B17D-2912D3CCFD1A}"/>
             </a:ext>
           </a:extLst>
         </p:cNvPr>
@@ -2725,7 +2502,7 @@
           <p:cNvPr id="2" name="מציין מיקום של תמונת שקופית 1">
             <a:extLst>
               <a:ext uri="{FF2B5EF4-FFF2-40B4-BE49-F238E27FC236}">
-                <a16:creationId xmlns:a16="http://schemas.microsoft.com/office/drawing/2014/main" id="{5005DDA0-D2F2-3147-8E82-9E84EA8DAD39}"/>
+                <a16:creationId xmlns:a16="http://schemas.microsoft.com/office/drawing/2014/main" id="{0A3123D1-9460-FFEE-9692-2AD079105633}"/>
               </a:ext>
             </a:extLst>
           </p:cNvPr>
@@ -2743,7 +2520,7 @@
           <p:cNvPr id="3" name="מציין מיקום של הערות 2">
             <a:extLst>
               <a:ext uri="{FF2B5EF4-FFF2-40B4-BE49-F238E27FC236}">
-                <a16:creationId xmlns:a16="http://schemas.microsoft.com/office/drawing/2014/main" id="{F60070C6-49C6-2CAE-5DA7-72E8D534F2BC}"/>
+                <a16:creationId xmlns:a16="http://schemas.microsoft.com/office/drawing/2014/main" id="{983119BD-D071-0089-4EC2-F18894D395D8}"/>
               </a:ext>
             </a:extLst>
           </p:cNvPr>
@@ -2759,7 +2536,7 @@
           <a:bodyPr/>
           <a:lstStyle/>
           <a:p>
-            <a:pPr marL="171450" marR="0" lvl="0" indent="-171450" algn="r" defTabSz="914400" rtl="1" eaLnBrk="1" fontAlgn="auto" latinLnBrk="0" hangingPunct="1">
+            <a:pPr marL="0" marR="0" lvl="0" indent="0" algn="r" defTabSz="914400" rtl="1" eaLnBrk="1" fontAlgn="auto" latinLnBrk="0" hangingPunct="1">
               <a:lnSpc>
                 <a:spcPct val="100000"/>
               </a:lnSpc>
@@ -2771,26 +2548,34 @@
               </a:spcAft>
               <a:buClrTx/>
               <a:buSzTx/>
-              <a:buFont typeface="Arial" panose="020B0604020202020204" pitchFamily="34" charset="0"/>
-              <a:buChar char="•"/>
+              <a:buFontTx/>
+              <a:buNone/>
               <a:tabLst/>
               <a:defRPr/>
             </a:pPr>
             <a:r>
               <a:rPr lang="he-IL" u="none" dirty="0"/>
-              <a:t>בדרך כלל, </a:t>
+              <a:t>הרעיון המרכזי של דפוס </a:t>
             </a:r>
             <a:r>
               <a:rPr lang="he-IL" u="none" dirty="0" err="1"/>
-              <a:t>איטרטורים</a:t>
+              <a:t>האיטרטור</a:t>
             </a:r>
             <a:r>
               <a:rPr lang="he-IL" u="none" dirty="0"/>
-              <a:t> מספקים שיטה עיקרית אחת להבאת אלמנטים מהאוסף.</a:t>
-            </a:r>
-          </a:p>
-          <a:p>
-            <a:pPr marL="171450" marR="0" lvl="0" indent="-171450" algn="r" defTabSz="914400" rtl="1" eaLnBrk="1" fontAlgn="auto" latinLnBrk="0" hangingPunct="1">
+              <a:t> הוא לחלץ את התנהגות המעבר של אוסף לאובייקט נפרד הנקרא </a:t>
+            </a:r>
+            <a:r>
+              <a:rPr lang="he-IL" u="none" dirty="0" err="1"/>
+              <a:t>איטרטור</a:t>
+            </a:r>
+            <a:r>
+              <a:rPr lang="he-IL" u="none" dirty="0"/>
+              <a:t>.</a:t>
+            </a:r>
+          </a:p>
+          <a:p>
+            <a:pPr marL="0" marR="0" lvl="0" indent="0" algn="r" defTabSz="914400" rtl="1" eaLnBrk="1" fontAlgn="auto" latinLnBrk="0" hangingPunct="1">
               <a:lnSpc>
                 <a:spcPct val="100000"/>
               </a:lnSpc>
@@ -2802,26 +2587,15 @@
               </a:spcAft>
               <a:buClrTx/>
               <a:buSzTx/>
-              <a:buFont typeface="Arial" panose="020B0604020202020204" pitchFamily="34" charset="0"/>
-              <a:buChar char="•"/>
+              <a:buFontTx/>
+              <a:buNone/>
               <a:tabLst/>
               <a:defRPr/>
             </a:pPr>
-            <a:r>
-              <a:rPr lang="he-IL" u="none" dirty="0"/>
-              <a:t>הלקוח יכול להמשיך להריץ את השיטה הזו עד שהיא לא מחזירה כלום, מה שאומר </a:t>
-            </a:r>
-            <a:r>
-              <a:rPr lang="he-IL" u="none" dirty="0" err="1"/>
-              <a:t>שהאיטרטור</a:t>
-            </a:r>
-            <a:r>
-              <a:rPr lang="he-IL" u="none" dirty="0"/>
-              <a:t> עבר את כל האלמנטים.</a:t>
-            </a:r>
-          </a:p>
-          <a:p>
-            <a:pPr marL="171450" marR="0" lvl="0" indent="-171450" algn="r" defTabSz="914400" rtl="1" eaLnBrk="1" fontAlgn="auto" latinLnBrk="0" hangingPunct="1">
+            <a:endParaRPr lang="he-IL" u="none" dirty="0"/>
+          </a:p>
+          <a:p>
+            <a:pPr marL="0" marR="0" lvl="0" indent="0" algn="r" defTabSz="914400" rtl="1" eaLnBrk="1" fontAlgn="auto" latinLnBrk="0" hangingPunct="1">
               <a:lnSpc>
                 <a:spcPct val="100000"/>
               </a:lnSpc>
@@ -2833,22 +2607,30 @@
               </a:spcAft>
               <a:buClrTx/>
               <a:buSzTx/>
-              <a:buFont typeface="Arial" panose="020B0604020202020204" pitchFamily="34" charset="0"/>
-              <a:buChar char="•"/>
+              <a:buFontTx/>
+              <a:buNone/>
               <a:tabLst/>
               <a:defRPr/>
             </a:pPr>
             <a:r>
               <a:rPr lang="he-IL" u="none" dirty="0"/>
-              <a:t>כל </a:t>
+              <a:t>בנוסף ליישום האלגוריתם עצמו, אובייקט </a:t>
             </a:r>
             <a:r>
               <a:rPr lang="he-IL" u="none" dirty="0" err="1"/>
-              <a:t>האיטרטורים</a:t>
+              <a:t>איטרטור</a:t>
             </a:r>
             <a:r>
               <a:rPr lang="he-IL" u="none" dirty="0"/>
-              <a:t> חייבים ליישם את אותו ממשק.</a:t>
+              <a:t> מכיל את פרטי המעבר, כגון המיקום הנוכחי וכמה אלמנטים נותרו עד הסוף. בגלל זה, מספר </a:t>
+            </a:r>
+            <a:r>
+              <a:rPr lang="he-IL" u="none" dirty="0" err="1"/>
+              <a:t>איטרטורים</a:t>
+            </a:r>
+            <a:r>
+              <a:rPr lang="he-IL" u="none" dirty="0"/>
+              <a:t> יכולים לעבור את אותו אוסף בו-זמנית, ללא תלות זה בזה.</a:t>
             </a:r>
           </a:p>
         </p:txBody>
@@ -2858,7 +2640,7 @@
           <p:cNvPr id="4" name="מציין מיקום של מספר שקופית 3">
             <a:extLst>
               <a:ext uri="{FF2B5EF4-FFF2-40B4-BE49-F238E27FC236}">
-                <a16:creationId xmlns:a16="http://schemas.microsoft.com/office/drawing/2014/main" id="{4491CC7D-2205-60BC-5083-8ED2E82ED2EF}"/>
+                <a16:creationId xmlns:a16="http://schemas.microsoft.com/office/drawing/2014/main" id="{6C49CF24-C73C-EC0F-A23C-B2E6094FA5B4}"/>
               </a:ext>
             </a:extLst>
           </p:cNvPr>
@@ -2945,7 +2727,7 @@
     </p:spTree>
     <p:extLst>
       <p:ext uri="{BB962C8B-B14F-4D97-AF65-F5344CB8AC3E}">
-        <p14:creationId xmlns:p14="http://schemas.microsoft.com/office/powerpoint/2010/main" val="3400730779"/>
+        <p14:creationId xmlns:p14="http://schemas.microsoft.com/office/powerpoint/2010/main" val="2880150167"/>
       </p:ext>
     </p:extLst>
   </p:cSld>
@@ -2955,7 +2737,7 @@
 </p:notes>
 </file>
 
-<file path=ppt/notesSlides/notesSlide7.xml><?xml version="1.0" encoding="utf-8"?>
+<file path=ppt/notesSlides/notesSlide6.xml><?xml version="1.0" encoding="utf-8"?>
 <p:notes xmlns:a="http://schemas.openxmlformats.org/drawingml/2006/main" xmlns:r="http://schemas.openxmlformats.org/officeDocument/2006/relationships" xmlns:p="http://schemas.openxmlformats.org/presentationml/2006/main">
   <p:cSld>
     <p:spTree>
@@ -2963,7 +2745,7 @@
         <p:cNvPr id="1" name="">
           <a:extLst>
             <a:ext uri="{FF2B5EF4-FFF2-40B4-BE49-F238E27FC236}">
-              <a16:creationId xmlns:a16="http://schemas.microsoft.com/office/drawing/2014/main" id="{21340071-634D-6D66-1471-4288C2351BCC}"/>
+              <a16:creationId xmlns:a16="http://schemas.microsoft.com/office/drawing/2014/main" id="{21AB4E7C-B242-6B22-198A-314551C963AC}"/>
             </a:ext>
           </a:extLst>
         </p:cNvPr>
@@ -2983,7 +2765,7 @@
           <p:cNvPr id="2" name="מציין מיקום של תמונת שקופית 1">
             <a:extLst>
               <a:ext uri="{FF2B5EF4-FFF2-40B4-BE49-F238E27FC236}">
-                <a16:creationId xmlns:a16="http://schemas.microsoft.com/office/drawing/2014/main" id="{5F24CCEC-80FE-D734-79E0-6F89470B18A8}"/>
+                <a16:creationId xmlns:a16="http://schemas.microsoft.com/office/drawing/2014/main" id="{5005DDA0-D2F2-3147-8E82-9E84EA8DAD39}"/>
               </a:ext>
             </a:extLst>
           </p:cNvPr>
@@ -3001,7 +2783,7 @@
           <p:cNvPr id="3" name="מציין מיקום של הערות 2">
             <a:extLst>
               <a:ext uri="{FF2B5EF4-FFF2-40B4-BE49-F238E27FC236}">
-                <a16:creationId xmlns:a16="http://schemas.microsoft.com/office/drawing/2014/main" id="{26373B88-C052-F6F0-B6A2-A22B45709BB2}"/>
+                <a16:creationId xmlns:a16="http://schemas.microsoft.com/office/drawing/2014/main" id="{F60070C6-49C6-2CAE-5DA7-72E8D534F2BC}"/>
               </a:ext>
             </a:extLst>
           </p:cNvPr>
@@ -3116,7 +2898,7 @@
           <p:cNvPr id="4" name="מציין מיקום של מספר שקופית 3">
             <a:extLst>
               <a:ext uri="{FF2B5EF4-FFF2-40B4-BE49-F238E27FC236}">
-                <a16:creationId xmlns:a16="http://schemas.microsoft.com/office/drawing/2014/main" id="{927DACC6-F095-351D-9C61-CC35E5B35FC9}"/>
+                <a16:creationId xmlns:a16="http://schemas.microsoft.com/office/drawing/2014/main" id="{4491CC7D-2205-60BC-5083-8ED2E82ED2EF}"/>
               </a:ext>
             </a:extLst>
           </p:cNvPr>
@@ -3203,7 +2985,7 @@
     </p:spTree>
     <p:extLst>
       <p:ext uri="{BB962C8B-B14F-4D97-AF65-F5344CB8AC3E}">
-        <p14:creationId xmlns:p14="http://schemas.microsoft.com/office/powerpoint/2010/main" val="37707612"/>
+        <p14:creationId xmlns:p14="http://schemas.microsoft.com/office/powerpoint/2010/main" val="3400730779"/>
       </p:ext>
     </p:extLst>
   </p:cSld>
@@ -3213,7 +2995,7 @@
 </p:notes>
 </file>
 
-<file path=ppt/notesSlides/notesSlide8.xml><?xml version="1.0" encoding="utf-8"?>
+<file path=ppt/notesSlides/notesSlide7.xml><?xml version="1.0" encoding="utf-8"?>
 <p:notes xmlns:a="http://schemas.openxmlformats.org/drawingml/2006/main" xmlns:r="http://schemas.openxmlformats.org/officeDocument/2006/relationships" xmlns:p="http://schemas.openxmlformats.org/presentationml/2006/main">
   <p:cSld>
     <p:spTree>
@@ -3221,7 +3003,7 @@
         <p:cNvPr id="1" name="">
           <a:extLst>
             <a:ext uri="{FF2B5EF4-FFF2-40B4-BE49-F238E27FC236}">
-              <a16:creationId xmlns:a16="http://schemas.microsoft.com/office/drawing/2014/main" id="{78DD2215-462F-3041-A010-EB50E33C1A14}"/>
+              <a16:creationId xmlns:a16="http://schemas.microsoft.com/office/drawing/2014/main" id="{21340071-634D-6D66-1471-4288C2351BCC}"/>
             </a:ext>
           </a:extLst>
         </p:cNvPr>
@@ -3241,7 +3023,7 @@
           <p:cNvPr id="2" name="מציין מיקום של תמונת שקופית 1">
             <a:extLst>
               <a:ext uri="{FF2B5EF4-FFF2-40B4-BE49-F238E27FC236}">
-                <a16:creationId xmlns:a16="http://schemas.microsoft.com/office/drawing/2014/main" id="{AE459834-AD8A-0A40-88C5-42DAFF442952}"/>
+                <a16:creationId xmlns:a16="http://schemas.microsoft.com/office/drawing/2014/main" id="{5F24CCEC-80FE-D734-79E0-6F89470B18A8}"/>
               </a:ext>
             </a:extLst>
           </p:cNvPr>
@@ -3259,7 +3041,7 @@
           <p:cNvPr id="3" name="מציין מיקום של הערות 2">
             <a:extLst>
               <a:ext uri="{FF2B5EF4-FFF2-40B4-BE49-F238E27FC236}">
-                <a16:creationId xmlns:a16="http://schemas.microsoft.com/office/drawing/2014/main" id="{3FE11B5A-EF35-1CEF-DA44-A3D27490D1E0}"/>
+                <a16:creationId xmlns:a16="http://schemas.microsoft.com/office/drawing/2014/main" id="{26373B88-C052-F6F0-B6A2-A22B45709BB2}"/>
               </a:ext>
             </a:extLst>
           </p:cNvPr>
@@ -3374,7 +3156,7 @@
           <p:cNvPr id="4" name="מציין מיקום של מספר שקופית 3">
             <a:extLst>
               <a:ext uri="{FF2B5EF4-FFF2-40B4-BE49-F238E27FC236}">
-                <a16:creationId xmlns:a16="http://schemas.microsoft.com/office/drawing/2014/main" id="{702956E0-5FCF-DA31-0E7A-4128EA8F3E8D}"/>
+                <a16:creationId xmlns:a16="http://schemas.microsoft.com/office/drawing/2014/main" id="{927DACC6-F095-351D-9C61-CC35E5B35FC9}"/>
               </a:ext>
             </a:extLst>
           </p:cNvPr>
@@ -3461,6 +3243,264 @@
     </p:spTree>
     <p:extLst>
       <p:ext uri="{BB962C8B-B14F-4D97-AF65-F5344CB8AC3E}">
+        <p14:creationId xmlns:p14="http://schemas.microsoft.com/office/powerpoint/2010/main" val="37707612"/>
+      </p:ext>
+    </p:extLst>
+  </p:cSld>
+  <p:clrMapOvr>
+    <a:masterClrMapping/>
+  </p:clrMapOvr>
+</p:notes>
+</file>
+
+<file path=ppt/notesSlides/notesSlide8.xml><?xml version="1.0" encoding="utf-8"?>
+<p:notes xmlns:a="http://schemas.openxmlformats.org/drawingml/2006/main" xmlns:r="http://schemas.openxmlformats.org/officeDocument/2006/relationships" xmlns:p="http://schemas.openxmlformats.org/presentationml/2006/main">
+  <p:cSld>
+    <p:spTree>
+      <p:nvGrpSpPr>
+        <p:cNvPr id="1" name="">
+          <a:extLst>
+            <a:ext uri="{FF2B5EF4-FFF2-40B4-BE49-F238E27FC236}">
+              <a16:creationId xmlns:a16="http://schemas.microsoft.com/office/drawing/2014/main" id="{78DD2215-462F-3041-A010-EB50E33C1A14}"/>
+            </a:ext>
+          </a:extLst>
+        </p:cNvPr>
+        <p:cNvGrpSpPr/>
+        <p:nvPr/>
+      </p:nvGrpSpPr>
+      <p:grpSpPr>
+        <a:xfrm>
+          <a:off x="0" y="0"/>
+          <a:ext cx="0" cy="0"/>
+          <a:chOff x="0" y="0"/>
+          <a:chExt cx="0" cy="0"/>
+        </a:xfrm>
+      </p:grpSpPr>
+      <p:sp>
+        <p:nvSpPr>
+          <p:cNvPr id="2" name="מציין מיקום של תמונת שקופית 1">
+            <a:extLst>
+              <a:ext uri="{FF2B5EF4-FFF2-40B4-BE49-F238E27FC236}">
+                <a16:creationId xmlns:a16="http://schemas.microsoft.com/office/drawing/2014/main" id="{AE459834-AD8A-0A40-88C5-42DAFF442952}"/>
+              </a:ext>
+            </a:extLst>
+          </p:cNvPr>
+          <p:cNvSpPr>
+            <a:spLocks noGrp="1" noRot="1" noChangeAspect="1"/>
+          </p:cNvSpPr>
+          <p:nvPr>
+            <p:ph type="sldImg"/>
+          </p:nvPr>
+        </p:nvSpPr>
+        <p:spPr/>
+      </p:sp>
+      <p:sp>
+        <p:nvSpPr>
+          <p:cNvPr id="3" name="מציין מיקום של הערות 2">
+            <a:extLst>
+              <a:ext uri="{FF2B5EF4-FFF2-40B4-BE49-F238E27FC236}">
+                <a16:creationId xmlns:a16="http://schemas.microsoft.com/office/drawing/2014/main" id="{3FE11B5A-EF35-1CEF-DA44-A3D27490D1E0}"/>
+              </a:ext>
+            </a:extLst>
+          </p:cNvPr>
+          <p:cNvSpPr>
+            <a:spLocks noGrp="1"/>
+          </p:cNvSpPr>
+          <p:nvPr>
+            <p:ph type="body" idx="1"/>
+          </p:nvPr>
+        </p:nvSpPr>
+        <p:spPr/>
+        <p:txBody>
+          <a:bodyPr/>
+          <a:lstStyle/>
+          <a:p>
+            <a:pPr marL="171450" marR="0" lvl="0" indent="-171450" algn="r" defTabSz="914400" rtl="1" eaLnBrk="1" fontAlgn="auto" latinLnBrk="0" hangingPunct="1">
+              <a:lnSpc>
+                <a:spcPct val="100000"/>
+              </a:lnSpc>
+              <a:spcBef>
+                <a:spcPts val="0"/>
+              </a:spcBef>
+              <a:spcAft>
+                <a:spcPts val="0"/>
+              </a:spcAft>
+              <a:buClrTx/>
+              <a:buSzTx/>
+              <a:buFont typeface="Arial" panose="020B0604020202020204" pitchFamily="34" charset="0"/>
+              <a:buChar char="•"/>
+              <a:tabLst/>
+              <a:defRPr/>
+            </a:pPr>
+            <a:r>
+              <a:rPr lang="he-IL" u="none" dirty="0"/>
+              <a:t>בדרך כלל, </a:t>
+            </a:r>
+            <a:r>
+              <a:rPr lang="he-IL" u="none" dirty="0" err="1"/>
+              <a:t>איטרטורים</a:t>
+            </a:r>
+            <a:r>
+              <a:rPr lang="he-IL" u="none" dirty="0"/>
+              <a:t> מספקים שיטה עיקרית אחת להבאת אלמנטים מהאוסף.</a:t>
+            </a:r>
+          </a:p>
+          <a:p>
+            <a:pPr marL="171450" marR="0" lvl="0" indent="-171450" algn="r" defTabSz="914400" rtl="1" eaLnBrk="1" fontAlgn="auto" latinLnBrk="0" hangingPunct="1">
+              <a:lnSpc>
+                <a:spcPct val="100000"/>
+              </a:lnSpc>
+              <a:spcBef>
+                <a:spcPts val="0"/>
+              </a:spcBef>
+              <a:spcAft>
+                <a:spcPts val="0"/>
+              </a:spcAft>
+              <a:buClrTx/>
+              <a:buSzTx/>
+              <a:buFont typeface="Arial" panose="020B0604020202020204" pitchFamily="34" charset="0"/>
+              <a:buChar char="•"/>
+              <a:tabLst/>
+              <a:defRPr/>
+            </a:pPr>
+            <a:r>
+              <a:rPr lang="he-IL" u="none" dirty="0"/>
+              <a:t>הלקוח יכול להמשיך להריץ את השיטה הזו עד שהיא לא מחזירה כלום, מה שאומר </a:t>
+            </a:r>
+            <a:r>
+              <a:rPr lang="he-IL" u="none" dirty="0" err="1"/>
+              <a:t>שהאיטרטור</a:t>
+            </a:r>
+            <a:r>
+              <a:rPr lang="he-IL" u="none" dirty="0"/>
+              <a:t> עבר את כל האלמנטים.</a:t>
+            </a:r>
+          </a:p>
+          <a:p>
+            <a:pPr marL="171450" marR="0" lvl="0" indent="-171450" algn="r" defTabSz="914400" rtl="1" eaLnBrk="1" fontAlgn="auto" latinLnBrk="0" hangingPunct="1">
+              <a:lnSpc>
+                <a:spcPct val="100000"/>
+              </a:lnSpc>
+              <a:spcBef>
+                <a:spcPts val="0"/>
+              </a:spcBef>
+              <a:spcAft>
+                <a:spcPts val="0"/>
+              </a:spcAft>
+              <a:buClrTx/>
+              <a:buSzTx/>
+              <a:buFont typeface="Arial" panose="020B0604020202020204" pitchFamily="34" charset="0"/>
+              <a:buChar char="•"/>
+              <a:tabLst/>
+              <a:defRPr/>
+            </a:pPr>
+            <a:r>
+              <a:rPr lang="he-IL" u="none" dirty="0"/>
+              <a:t>כל </a:t>
+            </a:r>
+            <a:r>
+              <a:rPr lang="he-IL" u="none" dirty="0" err="1"/>
+              <a:t>האיטרטורים</a:t>
+            </a:r>
+            <a:r>
+              <a:rPr lang="he-IL" u="none" dirty="0"/>
+              <a:t> חייבים ליישם את אותו ממשק.</a:t>
+            </a:r>
+          </a:p>
+        </p:txBody>
+      </p:sp>
+      <p:sp>
+        <p:nvSpPr>
+          <p:cNvPr id="4" name="מציין מיקום של מספר שקופית 3">
+            <a:extLst>
+              <a:ext uri="{FF2B5EF4-FFF2-40B4-BE49-F238E27FC236}">
+                <a16:creationId xmlns:a16="http://schemas.microsoft.com/office/drawing/2014/main" id="{702956E0-5FCF-DA31-0E7A-4128EA8F3E8D}"/>
+              </a:ext>
+            </a:extLst>
+          </p:cNvPr>
+          <p:cNvSpPr>
+            <a:spLocks noGrp="1"/>
+          </p:cNvSpPr>
+          <p:nvPr>
+            <p:ph type="sldNum" sz="quarter" idx="10"/>
+          </p:nvPr>
+        </p:nvSpPr>
+        <p:spPr/>
+        <p:txBody>
+          <a:bodyPr/>
+          <a:lstStyle/>
+          <a:p>
+            <a:pPr marL="0" marR="0" lvl="0" indent="0" algn="l" defTabSz="457200" rtl="0" eaLnBrk="1" fontAlgn="auto" latinLnBrk="0" hangingPunct="1">
+              <a:lnSpc>
+                <a:spcPct val="100000"/>
+              </a:lnSpc>
+              <a:spcBef>
+                <a:spcPts val="0"/>
+              </a:spcBef>
+              <a:spcAft>
+                <a:spcPts val="0"/>
+              </a:spcAft>
+              <a:buClrTx/>
+              <a:buSzTx/>
+              <a:buFontTx/>
+              <a:buNone/>
+              <a:tabLst/>
+              <a:defRPr/>
+            </a:pPr>
+            <a:fld id="{9801F83C-E8FF-4EAB-9F3A-F258AED6357B}" type="slidenum">
+              <a:rPr kumimoji="0" lang="he-IL" sz="1200" b="0" i="0" u="none" strike="noStrike" kern="1200" cap="none" spc="0" normalizeH="0" baseline="0" noProof="0" smtClean="0">
+                <a:ln>
+                  <a:noFill/>
+                </a:ln>
+                <a:solidFill>
+                  <a:prstClr val="black"/>
+                </a:solidFill>
+                <a:effectLst/>
+                <a:uLnTx/>
+                <a:uFillTx/>
+                <a:latin typeface="Calibri" panose="020F0502020204030204"/>
+                <a:ea typeface="+mn-ea"/>
+                <a:cs typeface="Arial" panose="020B0604020202020204" pitchFamily="34" charset="0"/>
+              </a:rPr>
+              <a:pPr marL="0" marR="0" lvl="0" indent="0" algn="l" defTabSz="457200" rtl="0" eaLnBrk="1" fontAlgn="auto" latinLnBrk="0" hangingPunct="1">
+                <a:lnSpc>
+                  <a:spcPct val="100000"/>
+                </a:lnSpc>
+                <a:spcBef>
+                  <a:spcPts val="0"/>
+                </a:spcBef>
+                <a:spcAft>
+                  <a:spcPts val="0"/>
+                </a:spcAft>
+                <a:buClrTx/>
+                <a:buSzTx/>
+                <a:buFontTx/>
+                <a:buNone/>
+                <a:tabLst/>
+                <a:defRPr/>
+              </a:pPr>
+              <a:t>10</a:t>
+            </a:fld>
+            <a:endParaRPr kumimoji="0" lang="he-IL" sz="1200" b="0" i="0" u="none" strike="noStrike" kern="1200" cap="none" spc="0" normalizeH="0" baseline="0" noProof="0">
+              <a:ln>
+                <a:noFill/>
+              </a:ln>
+              <a:solidFill>
+                <a:prstClr val="black"/>
+              </a:solidFill>
+              <a:effectLst/>
+              <a:uLnTx/>
+              <a:uFillTx/>
+              <a:latin typeface="Calibri" panose="020F0502020204030204"/>
+              <a:ea typeface="+mn-ea"/>
+              <a:cs typeface="Arial" panose="020B0604020202020204" pitchFamily="34" charset="0"/>
+            </a:endParaRPr>
+          </a:p>
+        </p:txBody>
+      </p:sp>
+    </p:spTree>
+    <p:extLst>
+      <p:ext uri="{BB962C8B-B14F-4D97-AF65-F5344CB8AC3E}">
         <p14:creationId xmlns:p14="http://schemas.microsoft.com/office/powerpoint/2010/main" val="1863575273"/>
       </p:ext>
     </p:extLst>
@@ -3543,7 +3583,7 @@
           <a:p>
             <a:fld id="{9801F83C-E8FF-4EAB-9F3A-F258AED6357B}" type="slidenum">
               <a:rPr lang="he-IL" smtClean="0"/>
-              <a:t>15</a:t>
+              <a:t>16</a:t>
             </a:fld>
             <a:endParaRPr lang="he-IL"/>
           </a:p>
@@ -3695,7 +3735,7 @@
           <a:p>
             <a:fld id="{48A87A34-81AB-432B-8DAE-1953F412C126}" type="datetimeFigureOut">
               <a:rPr lang="en-US" smtClean="0"/>
-              <a:t>12/11/2024</a:t>
+              <a:t>12/12/2024</a:t>
             </a:fld>
             <a:endParaRPr lang="en-US" dirty="0"/>
           </a:p>
@@ -3983,7 +4023,7 @@
             <a:fld id="{48A87A34-81AB-432B-8DAE-1953F412C126}" type="datetimeFigureOut">
               <a:rPr lang="en-US" smtClean="0"/>
               <a:pPr/>
-              <a:t>12/11/2024</a:t>
+              <a:t>12/12/2024</a:t>
             </a:fld>
             <a:endParaRPr lang="en-US" dirty="0"/>
           </a:p>
@@ -4177,7 +4217,7 @@
             <a:fld id="{48A87A34-81AB-432B-8DAE-1953F412C126}" type="datetimeFigureOut">
               <a:rPr lang="en-US" smtClean="0"/>
               <a:pPr/>
-              <a:t>12/11/2024</a:t>
+              <a:t>12/12/2024</a:t>
             </a:fld>
             <a:endParaRPr lang="en-US" dirty="0"/>
           </a:p>
@@ -4440,7 +4480,7 @@
             <a:fld id="{48A87A34-81AB-432B-8DAE-1953F412C126}" type="datetimeFigureOut">
               <a:rPr lang="en-US" smtClean="0"/>
               <a:pPr/>
-              <a:t>12/11/2024</a:t>
+              <a:t>12/12/2024</a:t>
             </a:fld>
             <a:endParaRPr lang="en-US" dirty="0"/>
           </a:p>
@@ -4866,7 +4906,7 @@
             <a:fld id="{48A87A34-81AB-432B-8DAE-1953F412C126}" type="datetimeFigureOut">
               <a:rPr lang="en-US" smtClean="0"/>
               <a:pPr/>
-              <a:t>12/11/2024</a:t>
+              <a:t>12/12/2024</a:t>
             </a:fld>
             <a:endParaRPr lang="en-US" dirty="0"/>
           </a:p>
@@ -5414,7 +5454,7 @@
             <a:fld id="{48A87A34-81AB-432B-8DAE-1953F412C126}" type="datetimeFigureOut">
               <a:rPr lang="en-US" smtClean="0"/>
               <a:pPr/>
-              <a:t>12/11/2024</a:t>
+              <a:t>12/12/2024</a:t>
             </a:fld>
             <a:endParaRPr lang="en-US" dirty="0"/>
           </a:p>
@@ -6256,7 +6296,7 @@
             <a:fld id="{48A87A34-81AB-432B-8DAE-1953F412C126}" type="datetimeFigureOut">
               <a:rPr lang="en-US" smtClean="0"/>
               <a:pPr/>
-              <a:t>12/11/2024</a:t>
+              <a:t>12/12/2024</a:t>
             </a:fld>
             <a:endParaRPr lang="en-US" dirty="0"/>
           </a:p>
@@ -6427,7 +6467,7 @@
           <a:p>
             <a:fld id="{48A87A34-81AB-432B-8DAE-1953F412C126}" type="datetimeFigureOut">
               <a:rPr lang="en-US" smtClean="0"/>
-              <a:t>12/11/2024</a:t>
+              <a:t>12/12/2024</a:t>
             </a:fld>
             <a:endParaRPr lang="en-US" dirty="0"/>
           </a:p>
@@ -6611,7 +6651,7 @@
           <a:p>
             <a:fld id="{48A87A34-81AB-432B-8DAE-1953F412C126}" type="datetimeFigureOut">
               <a:rPr lang="en-US" smtClean="0"/>
-              <a:t>12/11/2024</a:t>
+              <a:t>12/12/2024</a:t>
             </a:fld>
             <a:endParaRPr lang="en-US" dirty="0"/>
           </a:p>
@@ -6815,7 +6855,7 @@
           <a:p>
             <a:fld id="{1D8BD707-D9CF-40AE-B4C6-C98DA3205C09}" type="datetimeFigureOut">
               <a:rPr lang="en-US"/>
-              <a:t>12/11/2024</a:t>
+              <a:t>12/12/2024</a:t>
             </a:fld>
             <a:endParaRPr lang="en-US"/>
           </a:p>
@@ -6975,7 +7015,7 @@
           <a:p>
             <a:fld id="{48A87A34-81AB-432B-8DAE-1953F412C126}" type="datetimeFigureOut">
               <a:rPr lang="en-US" smtClean="0"/>
-              <a:t>12/11/2024</a:t>
+              <a:t>12/12/2024</a:t>
             </a:fld>
             <a:endParaRPr lang="en-US" dirty="0"/>
           </a:p>
@@ -7223,7 +7263,7 @@
           <a:p>
             <a:fld id="{48A87A34-81AB-432B-8DAE-1953F412C126}" type="datetimeFigureOut">
               <a:rPr lang="en-US" smtClean="0"/>
-              <a:t>12/11/2024</a:t>
+              <a:t>12/12/2024</a:t>
             </a:fld>
             <a:endParaRPr lang="en-US" dirty="0"/>
           </a:p>
@@ -7460,7 +7500,7 @@
           <a:p>
             <a:fld id="{48A87A34-81AB-432B-8DAE-1953F412C126}" type="datetimeFigureOut">
               <a:rPr lang="en-US" smtClean="0"/>
-              <a:t>12/11/2024</a:t>
+              <a:t>12/12/2024</a:t>
             </a:fld>
             <a:endParaRPr lang="en-US" dirty="0"/>
           </a:p>
@@ -7833,7 +7873,7 @@
           <a:p>
             <a:fld id="{48A87A34-81AB-432B-8DAE-1953F412C126}" type="datetimeFigureOut">
               <a:rPr lang="en-US" smtClean="0"/>
-              <a:t>12/11/2024</a:t>
+              <a:t>12/12/2024</a:t>
             </a:fld>
             <a:endParaRPr lang="en-US" dirty="0"/>
           </a:p>
@@ -7951,7 +7991,7 @@
           <a:p>
             <a:fld id="{48A87A34-81AB-432B-8DAE-1953F412C126}" type="datetimeFigureOut">
               <a:rPr lang="en-US" smtClean="0"/>
-              <a:t>12/11/2024</a:t>
+              <a:t>12/12/2024</a:t>
             </a:fld>
             <a:endParaRPr lang="en-US" dirty="0"/>
           </a:p>
@@ -8046,7 +8086,7 @@
           <a:p>
             <a:fld id="{48A87A34-81AB-432B-8DAE-1953F412C126}" type="datetimeFigureOut">
               <a:rPr lang="en-US" smtClean="0"/>
-              <a:t>12/11/2024</a:t>
+              <a:t>12/12/2024</a:t>
             </a:fld>
             <a:endParaRPr lang="en-US" dirty="0"/>
           </a:p>
@@ -8297,7 +8337,7 @@
           <a:p>
             <a:fld id="{48A87A34-81AB-432B-8DAE-1953F412C126}" type="datetimeFigureOut">
               <a:rPr lang="en-US" smtClean="0"/>
-              <a:t>12/11/2024</a:t>
+              <a:t>12/12/2024</a:t>
             </a:fld>
             <a:endParaRPr lang="en-US" dirty="0"/>
           </a:p>
@@ -8585,7 +8625,7 @@
             <a:fld id="{48A87A34-81AB-432B-8DAE-1953F412C126}" type="datetimeFigureOut">
               <a:rPr lang="en-US" smtClean="0"/>
               <a:pPr/>
-              <a:t>12/11/2024</a:t>
+              <a:t>12/12/2024</a:t>
             </a:fld>
             <a:endParaRPr lang="en-US" dirty="0"/>
           </a:p>
@@ -8799,7 +8839,7 @@
             <a:fld id="{48A87A34-81AB-432B-8DAE-1953F412C126}" type="datetimeFigureOut">
               <a:rPr lang="en-US" smtClean="0"/>
               <a:pPr/>
-              <a:t>12/11/2024</a:t>
+              <a:t>12/12/2024</a:t>
             </a:fld>
             <a:endParaRPr lang="en-US" dirty="0"/>
           </a:p>
@@ -9407,6 +9447,297 @@
   <p:cSld>
     <p:spTree>
       <p:nvGrpSpPr>
+        <p:cNvPr id="1" name="">
+          <a:extLst>
+            <a:ext uri="{FF2B5EF4-FFF2-40B4-BE49-F238E27FC236}">
+              <a16:creationId xmlns:a16="http://schemas.microsoft.com/office/drawing/2014/main" id="{FD606E07-1000-5D79-B22F-BBBF6D9589E5}"/>
+            </a:ext>
+          </a:extLst>
+        </p:cNvPr>
+        <p:cNvGrpSpPr/>
+        <p:nvPr/>
+      </p:nvGrpSpPr>
+      <p:grpSpPr>
+        <a:xfrm>
+          <a:off x="0" y="0"/>
+          <a:ext cx="0" cy="0"/>
+          <a:chOff x="0" y="0"/>
+          <a:chExt cx="0" cy="0"/>
+        </a:xfrm>
+      </p:grpSpPr>
+      <p:sp>
+        <p:nvSpPr>
+          <p:cNvPr id="2" name="object 2">
+            <a:extLst>
+              <a:ext uri="{FF2B5EF4-FFF2-40B4-BE49-F238E27FC236}">
+                <a16:creationId xmlns:a16="http://schemas.microsoft.com/office/drawing/2014/main" id="{BF575EB7-B2EF-5DAD-4E8E-C6E1171217F5}"/>
+              </a:ext>
+            </a:extLst>
+          </p:cNvPr>
+          <p:cNvSpPr txBox="1"/>
+          <p:nvPr/>
+        </p:nvSpPr>
+        <p:spPr>
+          <a:xfrm>
+            <a:off x="1181258" y="429928"/>
+            <a:ext cx="9829483" cy="628377"/>
+          </a:xfrm>
+          <a:prstGeom prst="rect">
+            <a:avLst/>
+          </a:prstGeom>
+        </p:spPr>
+        <p:txBody>
+          <a:bodyPr vert="horz" wrap="square" lIns="0" tIns="12700" rIns="0" bIns="0" rtlCol="0">
+            <a:spAutoFit/>
+          </a:bodyPr>
+          <a:lstStyle/>
+          <a:p>
+            <a:pPr marL="0" marR="0" lvl="0" indent="0" algn="ctr" defTabSz="457200" rtl="0" eaLnBrk="1" fontAlgn="auto" latinLnBrk="0" hangingPunct="1">
+              <a:lnSpc>
+                <a:spcPct val="100000"/>
+              </a:lnSpc>
+              <a:spcBef>
+                <a:spcPts val="0"/>
+              </a:spcBef>
+              <a:spcAft>
+                <a:spcPts val="0"/>
+              </a:spcAft>
+              <a:buClrTx/>
+              <a:buSzTx/>
+              <a:buFontTx/>
+              <a:buNone/>
+              <a:tabLst/>
+              <a:defRPr/>
+            </a:pPr>
+            <a:r>
+              <a:rPr kumimoji="0" lang="en-US" sz="4000" b="1" i="0" u="none" strike="noStrike" kern="1200" cap="all" spc="0" normalizeH="0" baseline="0" noProof="0" dirty="0" err="1">
+                <a:ln>
+                  <a:noFill/>
+                </a:ln>
+                <a:solidFill>
+                  <a:prstClr val="white"/>
+                </a:solidFill>
+                <a:effectLst>
+                  <a:outerShdw blurRad="50800" dist="63500" dir="2700000" algn="tl" rotWithShape="0">
+                    <a:srgbClr val="000000">
+                      <a:alpha val="48000"/>
+                    </a:srgbClr>
+                  </a:outerShdw>
+                </a:effectLst>
+                <a:uLnTx/>
+                <a:uFillTx/>
+                <a:latin typeface="Bookman Old Style" panose="02050604050505020204"/>
+                <a:ea typeface="+mn-ea"/>
+                <a:cs typeface="+mn-cs"/>
+              </a:rPr>
+              <a:t>IterAble</a:t>
+            </a:r>
+            <a:endParaRPr kumimoji="0" lang="en-US" sz="4000" b="1" i="0" u="none" strike="noStrike" kern="1200" cap="all" spc="0" normalizeH="0" baseline="0" noProof="0" dirty="0">
+              <a:ln>
+                <a:noFill/>
+              </a:ln>
+              <a:solidFill>
+                <a:prstClr val="white"/>
+              </a:solidFill>
+              <a:effectLst>
+                <a:outerShdw blurRad="50800" dist="63500" dir="2700000" algn="tl" rotWithShape="0">
+                  <a:srgbClr val="000000">
+                    <a:alpha val="48000"/>
+                  </a:srgbClr>
+                </a:outerShdw>
+              </a:effectLst>
+              <a:uLnTx/>
+              <a:uFillTx/>
+              <a:latin typeface="Bookman Old Style" panose="02050604050505020204"/>
+              <a:ea typeface="+mn-ea"/>
+              <a:cs typeface="+mn-cs"/>
+            </a:endParaRPr>
+          </a:p>
+        </p:txBody>
+      </p:sp>
+      <p:pic>
+        <p:nvPicPr>
+          <p:cNvPr id="8" name="תמונה 7">
+            <a:extLst>
+              <a:ext uri="{FF2B5EF4-FFF2-40B4-BE49-F238E27FC236}">
+                <a16:creationId xmlns:a16="http://schemas.microsoft.com/office/drawing/2014/main" id="{E6AA8AE1-318E-514E-6BE2-0D1B826DE1F5}"/>
+              </a:ext>
+            </a:extLst>
+          </p:cNvPr>
+          <p:cNvPicPr>
+            <a:picLocks noChangeAspect="1"/>
+          </p:cNvPicPr>
+          <p:nvPr/>
+        </p:nvPicPr>
+        <p:blipFill rotWithShape="1">
+          <a:blip r:embed="rId3"/>
+          <a:srcRect/>
+          <a:stretch/>
+        </p:blipFill>
+        <p:spPr>
+          <a:xfrm>
+            <a:off x="144379" y="3705926"/>
+            <a:ext cx="6352674" cy="2971552"/>
+          </a:xfrm>
+          <a:prstGeom prst="roundRect">
+            <a:avLst>
+              <a:gd name="adj" fmla="val 8519"/>
+            </a:avLst>
+          </a:prstGeom>
+          <a:ln>
+            <a:noFill/>
+          </a:ln>
+          <a:effectLst>
+            <a:outerShdw blurRad="76200" dist="38100" dir="7800000" algn="tl" rotWithShape="0">
+              <a:srgbClr val="000000">
+                <a:alpha val="40000"/>
+              </a:srgbClr>
+            </a:outerShdw>
+          </a:effectLst>
+          <a:scene3d>
+            <a:camera prst="orthographicFront"/>
+            <a:lightRig rig="contrasting" dir="t">
+              <a:rot lat="0" lon="0" rev="4200000"/>
+            </a:lightRig>
+          </a:scene3d>
+          <a:sp3d prstMaterial="plastic">
+            <a:bevelT w="381000" h="114300" prst="relaxedInset"/>
+            <a:contourClr>
+              <a:srgbClr val="969696"/>
+            </a:contourClr>
+          </a:sp3d>
+        </p:spPr>
+      </p:pic>
+      <p:sp>
+        <p:nvSpPr>
+          <p:cNvPr id="6" name="תיבת טקסט 5">
+            <a:extLst>
+              <a:ext uri="{FF2B5EF4-FFF2-40B4-BE49-F238E27FC236}">
+                <a16:creationId xmlns:a16="http://schemas.microsoft.com/office/drawing/2014/main" id="{5A854F97-F8BD-4B8B-3031-EBA8005A6B22}"/>
+              </a:ext>
+            </a:extLst>
+          </p:cNvPr>
+          <p:cNvSpPr txBox="1"/>
+          <p:nvPr/>
+        </p:nvSpPr>
+        <p:spPr>
+          <a:xfrm>
+            <a:off x="6497053" y="1439324"/>
+            <a:ext cx="5230728" cy="4524315"/>
+          </a:xfrm>
+          <a:prstGeom prst="rect">
+            <a:avLst/>
+          </a:prstGeom>
+          <a:noFill/>
+        </p:spPr>
+        <p:txBody>
+          <a:bodyPr wrap="square">
+            <a:spAutoFit/>
+          </a:bodyPr>
+          <a:lstStyle/>
+          <a:p>
+            <a:pPr marL="457200" indent="-457200" algn="r" rtl="1">
+              <a:buFont typeface="Arial" panose="020B0604020202020204" pitchFamily="34" charset="0"/>
+              <a:buChar char="•"/>
+            </a:pPr>
+            <a:r>
+              <a:rPr lang="en-US" sz="3200" dirty="0" err="1"/>
+              <a:t>Iterable</a:t>
+            </a:r>
+            <a:r>
+              <a:rPr lang="he-IL" sz="3200" dirty="0"/>
+              <a:t> הוא ממשק ב-</a:t>
+            </a:r>
+            <a:r>
+              <a:rPr lang="en-US" sz="3200" dirty="0"/>
+              <a:t>Java </a:t>
+            </a:r>
+            <a:r>
+              <a:rPr lang="he-IL" sz="3200" dirty="0"/>
+              <a:t> שמאפשר שימוש בלולאות</a:t>
+            </a:r>
+            <a:r>
+              <a:rPr lang="en-US" sz="3200" dirty="0"/>
+              <a:t>for-each </a:t>
+            </a:r>
+            <a:r>
+              <a:rPr lang="he-IL" sz="3200" dirty="0"/>
+              <a:t> על אספים שאנחנו יצרנו.</a:t>
+            </a:r>
+          </a:p>
+          <a:p>
+            <a:pPr algn="r" rtl="1"/>
+            <a:r>
+              <a:rPr lang="he-IL" sz="3200" dirty="0"/>
+              <a:t> </a:t>
+            </a:r>
+          </a:p>
+          <a:p>
+            <a:pPr marL="457200" indent="-457200" algn="r" rtl="1">
+              <a:buFont typeface="Arial" panose="020B0604020202020204" pitchFamily="34" charset="0"/>
+              <a:buChar char="•"/>
+            </a:pPr>
+            <a:r>
+              <a:rPr lang="he-IL" sz="3200" dirty="0"/>
+              <a:t>אוסף שמממש את</a:t>
+            </a:r>
+            <a:r>
+              <a:rPr lang="en-US" sz="3200" dirty="0" err="1"/>
+              <a:t>Iterable</a:t>
+            </a:r>
+            <a:r>
+              <a:rPr lang="en-US" sz="3200" dirty="0"/>
+              <a:t> </a:t>
+            </a:r>
+            <a:r>
+              <a:rPr lang="he-IL" sz="3200" dirty="0"/>
+              <a:t> צריך לממש את </a:t>
+            </a:r>
+            <a:r>
+              <a:rPr lang="he-IL" sz="3200" dirty="0" err="1"/>
+              <a:t>הפונקצייה</a:t>
+            </a:r>
+            <a:r>
+              <a:rPr lang="he-IL" sz="3200" dirty="0"/>
+              <a:t> שנקראת </a:t>
+            </a:r>
+            <a:r>
+              <a:rPr lang="en-US" sz="3200" dirty="0"/>
+              <a:t>iterator</a:t>
+            </a:r>
+            <a:r>
+              <a:rPr lang="he-IL" sz="3200" dirty="0"/>
+              <a:t> ומחזירה אובייקט מסוג </a:t>
+            </a:r>
+            <a:r>
+              <a:rPr lang="en-US" sz="3200" dirty="0"/>
+              <a:t>Iterator</a:t>
+            </a:r>
+            <a:r>
+              <a:rPr lang="he-IL" sz="3200" dirty="0"/>
+              <a:t>.</a:t>
+            </a:r>
+          </a:p>
+        </p:txBody>
+      </p:sp>
+    </p:spTree>
+    <p:extLst>
+      <p:ext uri="{BB962C8B-B14F-4D97-AF65-F5344CB8AC3E}">
+        <p14:creationId xmlns:p14="http://schemas.microsoft.com/office/powerpoint/2010/main" val="1755314045"/>
+      </p:ext>
+    </p:extLst>
+  </p:cSld>
+  <p:clrMapOvr>
+    <a:masterClrMapping/>
+  </p:clrMapOvr>
+</p:sld>
+</file>
+
+<file path=ppt/slides/slide11.xml><?xml version="1.0" encoding="utf-8"?>
+<p:sld xmlns:a="http://schemas.openxmlformats.org/drawingml/2006/main" xmlns:r="http://schemas.openxmlformats.org/officeDocument/2006/relationships" xmlns:p="http://schemas.openxmlformats.org/presentationml/2006/main">
+  <p:cSld>
+    <p:spTree>
+      <p:nvGrpSpPr>
         <p:cNvPr id="1" name=""/>
         <p:cNvGrpSpPr/>
         <p:nvPr/>
@@ -9608,7 +9939,7 @@
 </p:sld>
 </file>
 
-<file path=ppt/slides/slide11.xml><?xml version="1.0" encoding="utf-8"?>
+<file path=ppt/slides/slide12.xml><?xml version="1.0" encoding="utf-8"?>
 <p:sld xmlns:a="http://schemas.openxmlformats.org/drawingml/2006/main" xmlns:r="http://schemas.openxmlformats.org/officeDocument/2006/relationships" xmlns:p="http://schemas.openxmlformats.org/presentationml/2006/main">
   <p:cSld>
     <p:spTree>
@@ -9805,7 +10136,7 @@
 </p:sld>
 </file>
 
-<file path=ppt/slides/slide12.xml><?xml version="1.0" encoding="utf-8"?>
+<file path=ppt/slides/slide13.xml><?xml version="1.0" encoding="utf-8"?>
 <p:sld xmlns:a="http://schemas.openxmlformats.org/drawingml/2006/main" xmlns:r="http://schemas.openxmlformats.org/officeDocument/2006/relationships" xmlns:p="http://schemas.openxmlformats.org/presentationml/2006/main">
   <p:cSld>
     <p:spTree>
@@ -10049,7 +10380,7 @@
 </p:sld>
 </file>
 
-<file path=ppt/slides/slide13.xml><?xml version="1.0" encoding="utf-8"?>
+<file path=ppt/slides/slide14.xml><?xml version="1.0" encoding="utf-8"?>
 <p:sld xmlns:a="http://schemas.openxmlformats.org/drawingml/2006/main" xmlns:r="http://schemas.openxmlformats.org/officeDocument/2006/relationships" xmlns:p="http://schemas.openxmlformats.org/presentationml/2006/main">
   <p:cSld>
     <p:spTree>
@@ -10343,7 +10674,7 @@
 </p:sld>
 </file>
 
-<file path=ppt/slides/slide14.xml><?xml version="1.0" encoding="utf-8"?>
+<file path=ppt/slides/slide15.xml><?xml version="1.0" encoding="utf-8"?>
 <p:sld xmlns:a="http://schemas.openxmlformats.org/drawingml/2006/main" xmlns:r="http://schemas.openxmlformats.org/officeDocument/2006/relationships" xmlns:p="http://schemas.openxmlformats.org/presentationml/2006/main">
   <p:cSld>
     <p:spTree>
@@ -10605,7 +10936,7 @@
 </p:sld>
 </file>
 
-<file path=ppt/slides/slide15.xml><?xml version="1.0" encoding="utf-8"?>
+<file path=ppt/slides/slide16.xml><?xml version="1.0" encoding="utf-8"?>
 <p:sld xmlns:a="http://schemas.openxmlformats.org/drawingml/2006/main" xmlns:r="http://schemas.openxmlformats.org/officeDocument/2006/relationships" xmlns:p="http://schemas.openxmlformats.org/presentationml/2006/main">
   <p:cSld>
     <p:spTree>
@@ -10763,7 +11094,7 @@
 </p:sld>
 </file>
 
-<file path=ppt/slides/slide16.xml><?xml version="1.0" encoding="utf-8"?>
+<file path=ppt/slides/slide17.xml><?xml version="1.0" encoding="utf-8"?>
 <p:sld xmlns:a="http://schemas.openxmlformats.org/drawingml/2006/main" xmlns:r="http://schemas.openxmlformats.org/officeDocument/2006/relationships" xmlns:p="http://schemas.openxmlformats.org/presentationml/2006/main">
   <p:cSld>
     <p:spTree>
@@ -10960,7 +11291,7 @@
 </p:sld>
 </file>
 
-<file path=ppt/slides/slide17.xml><?xml version="1.0" encoding="utf-8"?>
+<file path=ppt/slides/slide18.xml><?xml version="1.0" encoding="utf-8"?>
 <p:sld xmlns:a="http://schemas.openxmlformats.org/drawingml/2006/main" xmlns:r="http://schemas.openxmlformats.org/officeDocument/2006/relationships" xmlns:p="http://schemas.openxmlformats.org/presentationml/2006/main">
   <p:cSld>
     <p:spTree>
@@ -11158,7 +11489,7 @@
 </p:sld>
 </file>
 
-<file path=ppt/slides/slide18.xml><?xml version="1.0" encoding="utf-8"?>
+<file path=ppt/slides/slide19.xml><?xml version="1.0" encoding="utf-8"?>
 <p:sld xmlns:a="http://schemas.openxmlformats.org/drawingml/2006/main" xmlns:r="http://schemas.openxmlformats.org/officeDocument/2006/relationships" xmlns:p="http://schemas.openxmlformats.org/presentationml/2006/main">
   <p:cSld>
     <p:spTree>
@@ -11348,7 +11679,7 @@
 </p:sld>
 </file>
 
-<file path=ppt/slides/slide19.xml><?xml version="1.0" encoding="utf-8"?>
+<file path=ppt/slides/slide2.xml><?xml version="1.0" encoding="utf-8"?>
 <p:sld xmlns:a="http://schemas.openxmlformats.org/drawingml/2006/main" xmlns:r="http://schemas.openxmlformats.org/officeDocument/2006/relationships" xmlns:p="http://schemas.openxmlformats.org/presentationml/2006/main">
   <p:cSld>
     <p:spTree>
@@ -11365,6 +11696,207 @@
           <a:chExt cx="0" cy="0"/>
         </a:xfrm>
       </p:grpSpPr>
+      <p:pic>
+        <p:nvPicPr>
+          <p:cNvPr id="4" name="AQO139ZwQA3pVa84P4HKZYfXnANQrPUyL9XP5VeGad2oOVMho6l2SbJR7_T-YSsb5V_Ee8VogYCgrQwWL3SIjtRI">
+            <a:hlinkClick r:id="" action="ppaction://media"/>
+            <a:extLst>
+              <a:ext uri="{FF2B5EF4-FFF2-40B4-BE49-F238E27FC236}">
+                <a16:creationId xmlns:a16="http://schemas.microsoft.com/office/drawing/2014/main" id="{BA1DBC8E-640D-9881-419B-976AC6CFC34C}"/>
+              </a:ext>
+            </a:extLst>
+          </p:cNvPr>
+          <p:cNvPicPr>
+            <a:picLocks noGrp="1" noChangeAspect="1"/>
+          </p:cNvPicPr>
+          <p:nvPr>
+            <p:ph idx="1"/>
+            <a:videoFile r:link="rId2"/>
+            <p:extLst>
+              <p:ext uri="{DAA4B4D4-6D71-4841-9C94-3DE7FCFB9230}">
+                <p14:media xmlns:p14="http://schemas.microsoft.com/office/powerpoint/2010/main" r:embed="rId1"/>
+              </p:ext>
+            </p:extLst>
+          </p:nvPr>
+        </p:nvPicPr>
+        <p:blipFill>
+          <a:blip r:embed="rId4"/>
+          <a:stretch>
+            <a:fillRect/>
+          </a:stretch>
+        </p:blipFill>
+        <p:spPr>
+          <a:xfrm>
+            <a:off x="-393951" y="-5193927"/>
+            <a:ext cx="12979901" cy="23066572"/>
+          </a:xfrm>
+        </p:spPr>
+      </p:pic>
+    </p:spTree>
+    <p:extLst>
+      <p:ext uri="{BB962C8B-B14F-4D97-AF65-F5344CB8AC3E}">
+        <p14:creationId xmlns:p14="http://schemas.microsoft.com/office/powerpoint/2010/main" val="1511253578"/>
+      </p:ext>
+    </p:extLst>
+  </p:cSld>
+  <p:clrMapOvr>
+    <a:masterClrMapping/>
+  </p:clrMapOvr>
+  <p:timing>
+    <p:tnLst>
+      <p:par>
+        <p:cTn id="1" dur="indefinite" restart="never" nodeType="tmRoot">
+          <p:childTnLst>
+            <p:seq concurrent="1" nextAc="seek">
+              <p:cTn id="2" dur="indefinite" nodeType="mainSeq">
+                <p:childTnLst>
+                  <p:par>
+                    <p:cTn id="3" fill="hold">
+                      <p:stCondLst>
+                        <p:cond delay="indefinite"/>
+                      </p:stCondLst>
+                      <p:childTnLst>
+                        <p:par>
+                          <p:cTn id="4" fill="hold">
+                            <p:stCondLst>
+                              <p:cond delay="0"/>
+                            </p:stCondLst>
+                            <p:childTnLst>
+                              <p:par>
+                                <p:cTn id="5" presetID="1" presetClass="mediacall" presetSubtype="0" fill="hold" nodeType="clickEffect">
+                                  <p:stCondLst>
+                                    <p:cond delay="0"/>
+                                  </p:stCondLst>
+                                  <p:childTnLst>
+                                    <p:cmd type="call" cmd="playFrom(0.0)">
+                                      <p:cBhvr>
+                                        <p:cTn id="6" dur="9405" fill="hold"/>
+                                        <p:tgtEl>
+                                          <p:spTgt spid="4"/>
+                                        </p:tgtEl>
+                                      </p:cBhvr>
+                                    </p:cmd>
+                                  </p:childTnLst>
+                                </p:cTn>
+                              </p:par>
+                            </p:childTnLst>
+                          </p:cTn>
+                        </p:par>
+                      </p:childTnLst>
+                    </p:cTn>
+                  </p:par>
+                </p:childTnLst>
+              </p:cTn>
+              <p:prevCondLst>
+                <p:cond evt="onPrev" delay="0">
+                  <p:tgtEl>
+                    <p:sldTgt/>
+                  </p:tgtEl>
+                </p:cond>
+              </p:prevCondLst>
+              <p:nextCondLst>
+                <p:cond evt="onNext" delay="0">
+                  <p:tgtEl>
+                    <p:sldTgt/>
+                  </p:tgtEl>
+                </p:cond>
+              </p:nextCondLst>
+            </p:seq>
+            <p:video>
+              <p:cMediaNode vol="80000">
+                <p:cTn id="7" fill="hold" display="0">
+                  <p:stCondLst>
+                    <p:cond delay="indefinite"/>
+                  </p:stCondLst>
+                </p:cTn>
+                <p:tgtEl>
+                  <p:spTgt spid="4"/>
+                </p:tgtEl>
+              </p:cMediaNode>
+            </p:video>
+            <p:seq concurrent="1" nextAc="seek">
+              <p:cTn id="8" restart="whenNotActive" fill="hold" evtFilter="cancelBubble" nodeType="interactiveSeq">
+                <p:stCondLst>
+                  <p:cond evt="onClick" delay="0">
+                    <p:tgtEl>
+                      <p:spTgt spid="4"/>
+                    </p:tgtEl>
+                  </p:cond>
+                </p:stCondLst>
+                <p:endSync evt="end" delay="0">
+                  <p:rtn val="all"/>
+                </p:endSync>
+                <p:childTnLst>
+                  <p:par>
+                    <p:cTn id="9" fill="hold">
+                      <p:stCondLst>
+                        <p:cond delay="0"/>
+                      </p:stCondLst>
+                      <p:childTnLst>
+                        <p:par>
+                          <p:cTn id="10" fill="hold">
+                            <p:stCondLst>
+                              <p:cond delay="0"/>
+                            </p:stCondLst>
+                            <p:childTnLst>
+                              <p:par>
+                                <p:cTn id="11" presetID="2" presetClass="mediacall" presetSubtype="0" fill="hold" nodeType="clickEffect">
+                                  <p:stCondLst>
+                                    <p:cond delay="0"/>
+                                  </p:stCondLst>
+                                  <p:childTnLst>
+                                    <p:cmd type="call" cmd="togglePause">
+                                      <p:cBhvr>
+                                        <p:cTn id="12" dur="1" fill="hold"/>
+                                        <p:tgtEl>
+                                          <p:spTgt spid="4"/>
+                                        </p:tgtEl>
+                                      </p:cBhvr>
+                                    </p:cmd>
+                                  </p:childTnLst>
+                                </p:cTn>
+                              </p:par>
+                            </p:childTnLst>
+                          </p:cTn>
+                        </p:par>
+                      </p:childTnLst>
+                    </p:cTn>
+                  </p:par>
+                </p:childTnLst>
+              </p:cTn>
+              <p:nextCondLst>
+                <p:cond evt="onClick" delay="0">
+                  <p:tgtEl>
+                    <p:spTgt spid="4"/>
+                  </p:tgtEl>
+                </p:cond>
+              </p:nextCondLst>
+            </p:seq>
+          </p:childTnLst>
+        </p:cTn>
+      </p:par>
+    </p:tnLst>
+  </p:timing>
+</p:sld>
+</file>
+
+<file path=ppt/slides/slide20.xml><?xml version="1.0" encoding="utf-8"?>
+<p:sld xmlns:a="http://schemas.openxmlformats.org/drawingml/2006/main" xmlns:r="http://schemas.openxmlformats.org/officeDocument/2006/relationships" xmlns:p="http://schemas.openxmlformats.org/presentationml/2006/main">
+  <p:cSld>
+    <p:spTree>
+      <p:nvGrpSpPr>
+        <p:cNvPr id="1" name=""/>
+        <p:cNvGrpSpPr/>
+        <p:nvPr/>
+      </p:nvGrpSpPr>
+      <p:grpSpPr>
+        <a:xfrm>
+          <a:off x="0" y="0"/>
+          <a:ext cx="0" cy="0"/>
+          <a:chOff x="0" y="0"/>
+          <a:chExt cx="0" cy="0"/>
+        </a:xfrm>
+      </p:grpSpPr>
       <p:sp>
         <p:nvSpPr>
           <p:cNvPr id="2" name="object 2"/>
@@ -11499,208 +12031,7 @@
 </p:sld>
 </file>
 
-<file path=ppt/slides/slide2.xml><?xml version="1.0" encoding="utf-8"?>
-<p:sld xmlns:a="http://schemas.openxmlformats.org/drawingml/2006/main" xmlns:r="http://schemas.openxmlformats.org/officeDocument/2006/relationships" xmlns:p="http://schemas.openxmlformats.org/presentationml/2006/main">
-  <p:cSld>
-    <p:spTree>
-      <p:nvGrpSpPr>
-        <p:cNvPr id="1" name="">
-          <a:extLst>
-            <a:ext uri="{FF2B5EF4-FFF2-40B4-BE49-F238E27FC236}">
-              <a16:creationId xmlns:a16="http://schemas.microsoft.com/office/drawing/2014/main" id="{A0DC2723-4427-A19D-EE67-A67CA0A5FE54}"/>
-            </a:ext>
-          </a:extLst>
-        </p:cNvPr>
-        <p:cNvGrpSpPr/>
-        <p:nvPr/>
-      </p:nvGrpSpPr>
-      <p:grpSpPr>
-        <a:xfrm>
-          <a:off x="0" y="0"/>
-          <a:ext cx="0" cy="0"/>
-          <a:chOff x="0" y="0"/>
-          <a:chExt cx="0" cy="0"/>
-        </a:xfrm>
-      </p:grpSpPr>
-      <p:sp>
-        <p:nvSpPr>
-          <p:cNvPr id="2" name="object 2">
-            <a:extLst>
-              <a:ext uri="{FF2B5EF4-FFF2-40B4-BE49-F238E27FC236}">
-                <a16:creationId xmlns:a16="http://schemas.microsoft.com/office/drawing/2014/main" id="{FC08EDAA-CC62-C57E-38A6-356BE47EE074}"/>
-              </a:ext>
-            </a:extLst>
-          </p:cNvPr>
-          <p:cNvSpPr txBox="1"/>
-          <p:nvPr/>
-        </p:nvSpPr>
-        <p:spPr>
-          <a:xfrm>
-            <a:off x="1181259" y="129138"/>
-            <a:ext cx="9829483" cy="628377"/>
-          </a:xfrm>
-          <a:prstGeom prst="rect">
-            <a:avLst/>
-          </a:prstGeom>
-        </p:spPr>
-        <p:txBody>
-          <a:bodyPr vert="horz" wrap="square" lIns="0" tIns="12700" rIns="0" bIns="0" rtlCol="0">
-            <a:spAutoFit/>
-          </a:bodyPr>
-          <a:lstStyle/>
-          <a:p>
-            <a:pPr marL="0" marR="0" lvl="0" indent="0" algn="ctr" defTabSz="457200" rtl="0" eaLnBrk="1" fontAlgn="auto" latinLnBrk="0" hangingPunct="1">
-              <a:lnSpc>
-                <a:spcPct val="100000"/>
-              </a:lnSpc>
-              <a:spcBef>
-                <a:spcPts val="0"/>
-              </a:spcBef>
-              <a:spcAft>
-                <a:spcPts val="0"/>
-              </a:spcAft>
-              <a:buClrTx/>
-              <a:buSzTx/>
-              <a:buFontTx/>
-              <a:buNone/>
-              <a:tabLst/>
-              <a:defRPr/>
-            </a:pPr>
-            <a:r>
-              <a:rPr kumimoji="0" lang="en-US" sz="4000" b="1" i="0" u="none" strike="noStrike" kern="1200" cap="all" spc="0" normalizeH="0" baseline="0" noProof="0" dirty="0">
-                <a:ln>
-                  <a:noFill/>
-                </a:ln>
-                <a:solidFill>
-                  <a:prstClr val="white"/>
-                </a:solidFill>
-                <a:effectLst>
-                  <a:outerShdw blurRad="50800" dist="63500" dir="2700000" algn="tl" rotWithShape="0">
-                    <a:srgbClr val="000000">
-                      <a:alpha val="48000"/>
-                    </a:srgbClr>
-                  </a:outerShdw>
-                </a:effectLst>
-                <a:uLnTx/>
-                <a:uFillTx/>
-                <a:latin typeface="Bookman Old Style" panose="02050604050505020204"/>
-                <a:ea typeface="+mn-ea"/>
-                <a:cs typeface="+mn-cs"/>
-              </a:rPr>
-              <a:t>Iterator</a:t>
-            </a:r>
-          </a:p>
-        </p:txBody>
-      </p:sp>
-      <p:pic>
-        <p:nvPicPr>
-          <p:cNvPr id="11266" name="Picture 2" descr="Iterator design pattern">
-            <a:extLst>
-              <a:ext uri="{FF2B5EF4-FFF2-40B4-BE49-F238E27FC236}">
-                <a16:creationId xmlns:a16="http://schemas.microsoft.com/office/drawing/2014/main" id="{547FF606-085E-5592-34E1-75B9CA8B57A2}"/>
-              </a:ext>
-            </a:extLst>
-          </p:cNvPr>
-          <p:cNvPicPr>
-            <a:picLocks noChangeAspect="1" noChangeArrowheads="1"/>
-          </p:cNvPicPr>
-          <p:nvPr/>
-        </p:nvPicPr>
-        <p:blipFill>
-          <a:blip r:embed="rId3">
-            <a:extLst>
-              <a:ext uri="{28A0092B-C50C-407E-A947-70E740481C1C}">
-                <a14:useLocalDpi xmlns:a14="http://schemas.microsoft.com/office/drawing/2010/main" val="0"/>
-              </a:ext>
-            </a:extLst>
-          </a:blip>
-          <a:srcRect/>
-          <a:stretch>
-            <a:fillRect/>
-          </a:stretch>
-        </p:blipFill>
-        <p:spPr bwMode="auto">
-          <a:xfrm>
-            <a:off x="3104491" y="2918862"/>
-            <a:ext cx="6096000" cy="3810000"/>
-          </a:xfrm>
-          <a:prstGeom prst="rect">
-            <a:avLst/>
-          </a:prstGeom>
-          <a:noFill/>
-          <a:extLst>
-            <a:ext uri="{909E8E84-426E-40DD-AFC4-6F175D3DCCD1}">
-              <a14:hiddenFill xmlns:a14="http://schemas.microsoft.com/office/drawing/2010/main">
-                <a:solidFill>
-                  <a:srgbClr val="FFFFFF"/>
-                </a:solidFill>
-              </a14:hiddenFill>
-            </a:ext>
-          </a:extLst>
-        </p:spPr>
-      </p:pic>
-      <p:sp>
-        <p:nvSpPr>
-          <p:cNvPr id="4" name="תיבת טקסט 3">
-            <a:extLst>
-              <a:ext uri="{FF2B5EF4-FFF2-40B4-BE49-F238E27FC236}">
-                <a16:creationId xmlns:a16="http://schemas.microsoft.com/office/drawing/2014/main" id="{4D571F29-8939-758E-BFBF-2E5A773CBFDF}"/>
-              </a:ext>
-            </a:extLst>
-          </p:cNvPr>
-          <p:cNvSpPr txBox="1"/>
-          <p:nvPr/>
-        </p:nvSpPr>
-        <p:spPr>
-          <a:xfrm>
-            <a:off x="1621757" y="1160186"/>
-            <a:ext cx="9983201" cy="1200329"/>
-          </a:xfrm>
-          <a:prstGeom prst="rect">
-            <a:avLst/>
-          </a:prstGeom>
-          <a:noFill/>
-        </p:spPr>
-        <p:txBody>
-          <a:bodyPr wrap="square">
-            <a:spAutoFit/>
-          </a:bodyPr>
-          <a:lstStyle/>
-          <a:p>
-            <a:pPr algn="r" rtl="1"/>
-            <a:r>
-              <a:rPr lang="he-IL" sz="3600" dirty="0"/>
-              <a:t>תבנית </a:t>
-            </a:r>
-            <a:r>
-              <a:rPr lang="en-US" sz="3600" b="1" dirty="0"/>
-              <a:t>Iterator</a:t>
-            </a:r>
-            <a:r>
-              <a:rPr lang="en-US" sz="3600" dirty="0"/>
-              <a:t> </a:t>
-            </a:r>
-            <a:r>
-              <a:rPr lang="he-IL" sz="3600" dirty="0"/>
-              <a:t> מיועדת לניהול גישה ומעבר על רשימות/אוספים בצורה מאורגנת ואחידה.</a:t>
-            </a:r>
-          </a:p>
-        </p:txBody>
-      </p:sp>
-    </p:spTree>
-    <p:extLst>
-      <p:ext uri="{BB962C8B-B14F-4D97-AF65-F5344CB8AC3E}">
-        <p14:creationId xmlns:p14="http://schemas.microsoft.com/office/powerpoint/2010/main" val="3977468734"/>
-      </p:ext>
-    </p:extLst>
-  </p:cSld>
-  <p:clrMapOvr>
-    <a:masterClrMapping/>
-  </p:clrMapOvr>
-</p:sld>
-</file>
-
-<file path=ppt/slides/slide20.xml><?xml version="1.0" encoding="utf-8"?>
+<file path=ppt/slides/slide21.xml><?xml version="1.0" encoding="utf-8"?>
 <p:sld xmlns:a="http://schemas.openxmlformats.org/drawingml/2006/main" xmlns:r="http://schemas.openxmlformats.org/officeDocument/2006/relationships" xmlns:p="http://schemas.openxmlformats.org/presentationml/2006/main">
   <p:cSld>
     <p:spTree>
@@ -11929,7 +12260,7 @@
 </p:sld>
 </file>
 
-<file path=ppt/slides/slide21.xml><?xml version="1.0" encoding="utf-8"?>
+<file path=ppt/slides/slide22.xml><?xml version="1.0" encoding="utf-8"?>
 <p:sld xmlns:a="http://schemas.openxmlformats.org/drawingml/2006/main" xmlns:r="http://schemas.openxmlformats.org/officeDocument/2006/relationships" xmlns:p="http://schemas.openxmlformats.org/presentationml/2006/main">
   <p:cSld>
     <p:spTree>
@@ -12227,7 +12558,7 @@
 </p:sld>
 </file>
 
-<file path=ppt/slides/slide22.xml><?xml version="1.0" encoding="utf-8"?>
+<file path=ppt/slides/slide23.xml><?xml version="1.0" encoding="utf-8"?>
 <p:sld xmlns:a="http://schemas.openxmlformats.org/drawingml/2006/main" xmlns:r="http://schemas.openxmlformats.org/officeDocument/2006/relationships" xmlns:p="http://schemas.openxmlformats.org/presentationml/2006/main">
   <p:cSld>
     <p:spTree>
@@ -12453,6 +12784,207 @@
 </file>
 
 <file path=ppt/slides/slide3.xml><?xml version="1.0" encoding="utf-8"?>
+<p:sld xmlns:a="http://schemas.openxmlformats.org/drawingml/2006/main" xmlns:r="http://schemas.openxmlformats.org/officeDocument/2006/relationships" xmlns:p="http://schemas.openxmlformats.org/presentationml/2006/main">
+  <p:cSld>
+    <p:spTree>
+      <p:nvGrpSpPr>
+        <p:cNvPr id="1" name="">
+          <a:extLst>
+            <a:ext uri="{FF2B5EF4-FFF2-40B4-BE49-F238E27FC236}">
+              <a16:creationId xmlns:a16="http://schemas.microsoft.com/office/drawing/2014/main" id="{A0DC2723-4427-A19D-EE67-A67CA0A5FE54}"/>
+            </a:ext>
+          </a:extLst>
+        </p:cNvPr>
+        <p:cNvGrpSpPr/>
+        <p:nvPr/>
+      </p:nvGrpSpPr>
+      <p:grpSpPr>
+        <a:xfrm>
+          <a:off x="0" y="0"/>
+          <a:ext cx="0" cy="0"/>
+          <a:chOff x="0" y="0"/>
+          <a:chExt cx="0" cy="0"/>
+        </a:xfrm>
+      </p:grpSpPr>
+      <p:sp>
+        <p:nvSpPr>
+          <p:cNvPr id="2" name="object 2">
+            <a:extLst>
+              <a:ext uri="{FF2B5EF4-FFF2-40B4-BE49-F238E27FC236}">
+                <a16:creationId xmlns:a16="http://schemas.microsoft.com/office/drawing/2014/main" id="{FC08EDAA-CC62-C57E-38A6-356BE47EE074}"/>
+              </a:ext>
+            </a:extLst>
+          </p:cNvPr>
+          <p:cNvSpPr txBox="1"/>
+          <p:nvPr/>
+        </p:nvSpPr>
+        <p:spPr>
+          <a:xfrm>
+            <a:off x="1181259" y="129138"/>
+            <a:ext cx="9829483" cy="628377"/>
+          </a:xfrm>
+          <a:prstGeom prst="rect">
+            <a:avLst/>
+          </a:prstGeom>
+        </p:spPr>
+        <p:txBody>
+          <a:bodyPr vert="horz" wrap="square" lIns="0" tIns="12700" rIns="0" bIns="0" rtlCol="0">
+            <a:spAutoFit/>
+          </a:bodyPr>
+          <a:lstStyle/>
+          <a:p>
+            <a:pPr marL="0" marR="0" lvl="0" indent="0" algn="ctr" defTabSz="457200" rtl="0" eaLnBrk="1" fontAlgn="auto" latinLnBrk="0" hangingPunct="1">
+              <a:lnSpc>
+                <a:spcPct val="100000"/>
+              </a:lnSpc>
+              <a:spcBef>
+                <a:spcPts val="0"/>
+              </a:spcBef>
+              <a:spcAft>
+                <a:spcPts val="0"/>
+              </a:spcAft>
+              <a:buClrTx/>
+              <a:buSzTx/>
+              <a:buFontTx/>
+              <a:buNone/>
+              <a:tabLst/>
+              <a:defRPr/>
+            </a:pPr>
+            <a:r>
+              <a:rPr kumimoji="0" lang="en-US" sz="4000" b="1" i="0" u="none" strike="noStrike" kern="1200" cap="all" spc="0" normalizeH="0" baseline="0" noProof="0" dirty="0">
+                <a:ln>
+                  <a:noFill/>
+                </a:ln>
+                <a:solidFill>
+                  <a:prstClr val="white"/>
+                </a:solidFill>
+                <a:effectLst>
+                  <a:outerShdw blurRad="50800" dist="63500" dir="2700000" algn="tl" rotWithShape="0">
+                    <a:srgbClr val="000000">
+                      <a:alpha val="48000"/>
+                    </a:srgbClr>
+                  </a:outerShdw>
+                </a:effectLst>
+                <a:uLnTx/>
+                <a:uFillTx/>
+                <a:latin typeface="Bookman Old Style" panose="02050604050505020204"/>
+                <a:ea typeface="+mn-ea"/>
+                <a:cs typeface="+mn-cs"/>
+              </a:rPr>
+              <a:t>Iterator</a:t>
+            </a:r>
+          </a:p>
+        </p:txBody>
+      </p:sp>
+      <p:pic>
+        <p:nvPicPr>
+          <p:cNvPr id="11266" name="Picture 2" descr="Iterator design pattern">
+            <a:extLst>
+              <a:ext uri="{FF2B5EF4-FFF2-40B4-BE49-F238E27FC236}">
+                <a16:creationId xmlns:a16="http://schemas.microsoft.com/office/drawing/2014/main" id="{547FF606-085E-5592-34E1-75B9CA8B57A2}"/>
+              </a:ext>
+            </a:extLst>
+          </p:cNvPr>
+          <p:cNvPicPr>
+            <a:picLocks noChangeAspect="1" noChangeArrowheads="1"/>
+          </p:cNvPicPr>
+          <p:nvPr/>
+        </p:nvPicPr>
+        <p:blipFill>
+          <a:blip r:embed="rId3">
+            <a:extLst>
+              <a:ext uri="{28A0092B-C50C-407E-A947-70E740481C1C}">
+                <a14:useLocalDpi xmlns:a14="http://schemas.microsoft.com/office/drawing/2010/main" val="0"/>
+              </a:ext>
+            </a:extLst>
+          </a:blip>
+          <a:srcRect/>
+          <a:stretch>
+            <a:fillRect/>
+          </a:stretch>
+        </p:blipFill>
+        <p:spPr bwMode="auto">
+          <a:xfrm>
+            <a:off x="3104491" y="2918862"/>
+            <a:ext cx="6096000" cy="3810000"/>
+          </a:xfrm>
+          <a:prstGeom prst="rect">
+            <a:avLst/>
+          </a:prstGeom>
+          <a:noFill/>
+          <a:extLst>
+            <a:ext uri="{909E8E84-426E-40DD-AFC4-6F175D3DCCD1}">
+              <a14:hiddenFill xmlns:a14="http://schemas.microsoft.com/office/drawing/2010/main">
+                <a:solidFill>
+                  <a:srgbClr val="FFFFFF"/>
+                </a:solidFill>
+              </a14:hiddenFill>
+            </a:ext>
+          </a:extLst>
+        </p:spPr>
+      </p:pic>
+      <p:sp>
+        <p:nvSpPr>
+          <p:cNvPr id="4" name="תיבת טקסט 3">
+            <a:extLst>
+              <a:ext uri="{FF2B5EF4-FFF2-40B4-BE49-F238E27FC236}">
+                <a16:creationId xmlns:a16="http://schemas.microsoft.com/office/drawing/2014/main" id="{4D571F29-8939-758E-BFBF-2E5A773CBFDF}"/>
+              </a:ext>
+            </a:extLst>
+          </p:cNvPr>
+          <p:cNvSpPr txBox="1"/>
+          <p:nvPr/>
+        </p:nvSpPr>
+        <p:spPr>
+          <a:xfrm>
+            <a:off x="1621757" y="1160186"/>
+            <a:ext cx="9983201" cy="1200329"/>
+          </a:xfrm>
+          <a:prstGeom prst="rect">
+            <a:avLst/>
+          </a:prstGeom>
+          <a:noFill/>
+        </p:spPr>
+        <p:txBody>
+          <a:bodyPr wrap="square">
+            <a:spAutoFit/>
+          </a:bodyPr>
+          <a:lstStyle/>
+          <a:p>
+            <a:pPr algn="r" rtl="1"/>
+            <a:r>
+              <a:rPr lang="he-IL" sz="3600" dirty="0"/>
+              <a:t>תבנית </a:t>
+            </a:r>
+            <a:r>
+              <a:rPr lang="en-US" sz="3600" b="1" dirty="0"/>
+              <a:t>Iterator</a:t>
+            </a:r>
+            <a:r>
+              <a:rPr lang="en-US" sz="3600" dirty="0"/>
+              <a:t> </a:t>
+            </a:r>
+            <a:r>
+              <a:rPr lang="he-IL" sz="3600" dirty="0"/>
+              <a:t> מיועדת לניהול גישה ומעבר על רשימות/אוספים בצורה מאורגנת ואחידה.</a:t>
+            </a:r>
+          </a:p>
+        </p:txBody>
+      </p:sp>
+    </p:spTree>
+    <p:extLst>
+      <p:ext uri="{BB962C8B-B14F-4D97-AF65-F5344CB8AC3E}">
+        <p14:creationId xmlns:p14="http://schemas.microsoft.com/office/powerpoint/2010/main" val="3977468734"/>
+      </p:ext>
+    </p:extLst>
+  </p:cSld>
+  <p:clrMapOvr>
+    <a:masterClrMapping/>
+  </p:clrMapOvr>
+</p:sld>
+</file>
+
+<file path=ppt/slides/slide4.xml><?xml version="1.0" encoding="utf-8"?>
 <p:sld xmlns:a="http://schemas.openxmlformats.org/drawingml/2006/main" xmlns:r="http://schemas.openxmlformats.org/officeDocument/2006/relationships" xmlns:p="http://schemas.openxmlformats.org/presentationml/2006/main">
   <p:cSld>
     <p:spTree>
@@ -12822,7 +13354,7 @@
 </p:sld>
 </file>
 
-<file path=ppt/slides/slide4.xml><?xml version="1.0" encoding="utf-8"?>
+<file path=ppt/slides/slide5.xml><?xml version="1.0" encoding="utf-8"?>
 <p:sld xmlns:a="http://schemas.openxmlformats.org/drawingml/2006/main" xmlns:r="http://schemas.openxmlformats.org/officeDocument/2006/relationships" xmlns:p="http://schemas.openxmlformats.org/presentationml/2006/main">
   <p:cSld>
     <p:spTree>
@@ -13178,7 +13710,7 @@
 </p:sld>
 </file>
 
-<file path=ppt/slides/slide5.xml><?xml version="1.0" encoding="utf-8"?>
+<file path=ppt/slides/slide6.xml><?xml version="1.0" encoding="utf-8"?>
 <p:sld xmlns:a="http://schemas.openxmlformats.org/drawingml/2006/main" xmlns:r="http://schemas.openxmlformats.org/officeDocument/2006/relationships" xmlns:p="http://schemas.openxmlformats.org/presentationml/2006/main">
   <p:cSld>
     <p:spTree>
@@ -13762,7 +14294,7 @@
 </p:sld>
 </file>
 
-<file path=ppt/slides/slide6.xml><?xml version="1.0" encoding="utf-8"?>
+<file path=ppt/slides/slide7.xml><?xml version="1.0" encoding="utf-8"?>
 <p:sld xmlns:a="http://schemas.openxmlformats.org/drawingml/2006/main" xmlns:r="http://schemas.openxmlformats.org/officeDocument/2006/relationships" xmlns:p="http://schemas.openxmlformats.org/presentationml/2006/main">
   <p:cSld>
     <p:spTree>
@@ -14112,7 +14644,7 @@
 </p:sld>
 </file>
 
-<file path=ppt/slides/slide7.xml><?xml version="1.0" encoding="utf-8"?>
+<file path=ppt/slides/slide8.xml><?xml version="1.0" encoding="utf-8"?>
 <p:sld xmlns:a="http://schemas.openxmlformats.org/drawingml/2006/main" xmlns:r="http://schemas.openxmlformats.org/officeDocument/2006/relationships" xmlns:p="http://schemas.openxmlformats.org/presentationml/2006/main">
   <p:cSld>
     <p:spTree>
@@ -14560,7 +15092,7 @@
 </p:sld>
 </file>
 
-<file path=ppt/slides/slide8.xml><?xml version="1.0" encoding="utf-8"?>
+<file path=ppt/slides/slide9.xml><?xml version="1.0" encoding="utf-8"?>
 <p:sld xmlns:a="http://schemas.openxmlformats.org/drawingml/2006/main" xmlns:r="http://schemas.openxmlformats.org/officeDocument/2006/relationships" xmlns:p="http://schemas.openxmlformats.org/presentationml/2006/main">
   <p:cSld>
     <p:spTree>
@@ -14901,297 +15433,6 @@
     <p:extLst>
       <p:ext uri="{BB962C8B-B14F-4D97-AF65-F5344CB8AC3E}">
         <p14:creationId xmlns:p14="http://schemas.microsoft.com/office/powerpoint/2010/main" val="1793423552"/>
-      </p:ext>
-    </p:extLst>
-  </p:cSld>
-  <p:clrMapOvr>
-    <a:masterClrMapping/>
-  </p:clrMapOvr>
-</p:sld>
-</file>
-
-<file path=ppt/slides/slide9.xml><?xml version="1.0" encoding="utf-8"?>
-<p:sld xmlns:a="http://schemas.openxmlformats.org/drawingml/2006/main" xmlns:r="http://schemas.openxmlformats.org/officeDocument/2006/relationships" xmlns:p="http://schemas.openxmlformats.org/presentationml/2006/main">
-  <p:cSld>
-    <p:spTree>
-      <p:nvGrpSpPr>
-        <p:cNvPr id="1" name="">
-          <a:extLst>
-            <a:ext uri="{FF2B5EF4-FFF2-40B4-BE49-F238E27FC236}">
-              <a16:creationId xmlns:a16="http://schemas.microsoft.com/office/drawing/2014/main" id="{FD606E07-1000-5D79-B22F-BBBF6D9589E5}"/>
-            </a:ext>
-          </a:extLst>
-        </p:cNvPr>
-        <p:cNvGrpSpPr/>
-        <p:nvPr/>
-      </p:nvGrpSpPr>
-      <p:grpSpPr>
-        <a:xfrm>
-          <a:off x="0" y="0"/>
-          <a:ext cx="0" cy="0"/>
-          <a:chOff x="0" y="0"/>
-          <a:chExt cx="0" cy="0"/>
-        </a:xfrm>
-      </p:grpSpPr>
-      <p:sp>
-        <p:nvSpPr>
-          <p:cNvPr id="2" name="object 2">
-            <a:extLst>
-              <a:ext uri="{FF2B5EF4-FFF2-40B4-BE49-F238E27FC236}">
-                <a16:creationId xmlns:a16="http://schemas.microsoft.com/office/drawing/2014/main" id="{BF575EB7-B2EF-5DAD-4E8E-C6E1171217F5}"/>
-              </a:ext>
-            </a:extLst>
-          </p:cNvPr>
-          <p:cNvSpPr txBox="1"/>
-          <p:nvPr/>
-        </p:nvSpPr>
-        <p:spPr>
-          <a:xfrm>
-            <a:off x="1181258" y="429928"/>
-            <a:ext cx="9829483" cy="628377"/>
-          </a:xfrm>
-          <a:prstGeom prst="rect">
-            <a:avLst/>
-          </a:prstGeom>
-        </p:spPr>
-        <p:txBody>
-          <a:bodyPr vert="horz" wrap="square" lIns="0" tIns="12700" rIns="0" bIns="0" rtlCol="0">
-            <a:spAutoFit/>
-          </a:bodyPr>
-          <a:lstStyle/>
-          <a:p>
-            <a:pPr marL="0" marR="0" lvl="0" indent="0" algn="ctr" defTabSz="457200" rtl="0" eaLnBrk="1" fontAlgn="auto" latinLnBrk="0" hangingPunct="1">
-              <a:lnSpc>
-                <a:spcPct val="100000"/>
-              </a:lnSpc>
-              <a:spcBef>
-                <a:spcPts val="0"/>
-              </a:spcBef>
-              <a:spcAft>
-                <a:spcPts val="0"/>
-              </a:spcAft>
-              <a:buClrTx/>
-              <a:buSzTx/>
-              <a:buFontTx/>
-              <a:buNone/>
-              <a:tabLst/>
-              <a:defRPr/>
-            </a:pPr>
-            <a:r>
-              <a:rPr kumimoji="0" lang="en-US" sz="4000" b="1" i="0" u="none" strike="noStrike" kern="1200" cap="all" spc="0" normalizeH="0" baseline="0" noProof="0" dirty="0" err="1">
-                <a:ln>
-                  <a:noFill/>
-                </a:ln>
-                <a:solidFill>
-                  <a:prstClr val="white"/>
-                </a:solidFill>
-                <a:effectLst>
-                  <a:outerShdw blurRad="50800" dist="63500" dir="2700000" algn="tl" rotWithShape="0">
-                    <a:srgbClr val="000000">
-                      <a:alpha val="48000"/>
-                    </a:srgbClr>
-                  </a:outerShdw>
-                </a:effectLst>
-                <a:uLnTx/>
-                <a:uFillTx/>
-                <a:latin typeface="Bookman Old Style" panose="02050604050505020204"/>
-                <a:ea typeface="+mn-ea"/>
-                <a:cs typeface="+mn-cs"/>
-              </a:rPr>
-              <a:t>IterAble</a:t>
-            </a:r>
-            <a:endParaRPr kumimoji="0" lang="en-US" sz="4000" b="1" i="0" u="none" strike="noStrike" kern="1200" cap="all" spc="0" normalizeH="0" baseline="0" noProof="0" dirty="0">
-              <a:ln>
-                <a:noFill/>
-              </a:ln>
-              <a:solidFill>
-                <a:prstClr val="white"/>
-              </a:solidFill>
-              <a:effectLst>
-                <a:outerShdw blurRad="50800" dist="63500" dir="2700000" algn="tl" rotWithShape="0">
-                  <a:srgbClr val="000000">
-                    <a:alpha val="48000"/>
-                  </a:srgbClr>
-                </a:outerShdw>
-              </a:effectLst>
-              <a:uLnTx/>
-              <a:uFillTx/>
-              <a:latin typeface="Bookman Old Style" panose="02050604050505020204"/>
-              <a:ea typeface="+mn-ea"/>
-              <a:cs typeface="+mn-cs"/>
-            </a:endParaRPr>
-          </a:p>
-        </p:txBody>
-      </p:sp>
-      <p:pic>
-        <p:nvPicPr>
-          <p:cNvPr id="8" name="תמונה 7">
-            <a:extLst>
-              <a:ext uri="{FF2B5EF4-FFF2-40B4-BE49-F238E27FC236}">
-                <a16:creationId xmlns:a16="http://schemas.microsoft.com/office/drawing/2014/main" id="{E6AA8AE1-318E-514E-6BE2-0D1B826DE1F5}"/>
-              </a:ext>
-            </a:extLst>
-          </p:cNvPr>
-          <p:cNvPicPr>
-            <a:picLocks noChangeAspect="1"/>
-          </p:cNvPicPr>
-          <p:nvPr/>
-        </p:nvPicPr>
-        <p:blipFill rotWithShape="1">
-          <a:blip r:embed="rId3"/>
-          <a:srcRect/>
-          <a:stretch/>
-        </p:blipFill>
-        <p:spPr>
-          <a:xfrm>
-            <a:off x="144379" y="3705926"/>
-            <a:ext cx="6352674" cy="2971552"/>
-          </a:xfrm>
-          <a:prstGeom prst="roundRect">
-            <a:avLst>
-              <a:gd name="adj" fmla="val 8519"/>
-            </a:avLst>
-          </a:prstGeom>
-          <a:ln>
-            <a:noFill/>
-          </a:ln>
-          <a:effectLst>
-            <a:outerShdw blurRad="76200" dist="38100" dir="7800000" algn="tl" rotWithShape="0">
-              <a:srgbClr val="000000">
-                <a:alpha val="40000"/>
-              </a:srgbClr>
-            </a:outerShdw>
-          </a:effectLst>
-          <a:scene3d>
-            <a:camera prst="orthographicFront"/>
-            <a:lightRig rig="contrasting" dir="t">
-              <a:rot lat="0" lon="0" rev="4200000"/>
-            </a:lightRig>
-          </a:scene3d>
-          <a:sp3d prstMaterial="plastic">
-            <a:bevelT w="381000" h="114300" prst="relaxedInset"/>
-            <a:contourClr>
-              <a:srgbClr val="969696"/>
-            </a:contourClr>
-          </a:sp3d>
-        </p:spPr>
-      </p:pic>
-      <p:sp>
-        <p:nvSpPr>
-          <p:cNvPr id="6" name="תיבת טקסט 5">
-            <a:extLst>
-              <a:ext uri="{FF2B5EF4-FFF2-40B4-BE49-F238E27FC236}">
-                <a16:creationId xmlns:a16="http://schemas.microsoft.com/office/drawing/2014/main" id="{5A854F97-F8BD-4B8B-3031-EBA8005A6B22}"/>
-              </a:ext>
-            </a:extLst>
-          </p:cNvPr>
-          <p:cNvSpPr txBox="1"/>
-          <p:nvPr/>
-        </p:nvSpPr>
-        <p:spPr>
-          <a:xfrm>
-            <a:off x="6497053" y="1439324"/>
-            <a:ext cx="5230728" cy="4524315"/>
-          </a:xfrm>
-          <a:prstGeom prst="rect">
-            <a:avLst/>
-          </a:prstGeom>
-          <a:noFill/>
-        </p:spPr>
-        <p:txBody>
-          <a:bodyPr wrap="square">
-            <a:spAutoFit/>
-          </a:bodyPr>
-          <a:lstStyle/>
-          <a:p>
-            <a:pPr marL="457200" indent="-457200" algn="r" rtl="1">
-              <a:buFont typeface="Arial" panose="020B0604020202020204" pitchFamily="34" charset="0"/>
-              <a:buChar char="•"/>
-            </a:pPr>
-            <a:r>
-              <a:rPr lang="en-US" sz="3200" dirty="0" err="1"/>
-              <a:t>Iterable</a:t>
-            </a:r>
-            <a:r>
-              <a:rPr lang="he-IL" sz="3200" dirty="0"/>
-              <a:t> הוא ממשק ב-</a:t>
-            </a:r>
-            <a:r>
-              <a:rPr lang="en-US" sz="3200" dirty="0"/>
-              <a:t>Java </a:t>
-            </a:r>
-            <a:r>
-              <a:rPr lang="he-IL" sz="3200" dirty="0"/>
-              <a:t> שמאפשר שימוש בלולאות</a:t>
-            </a:r>
-            <a:r>
-              <a:rPr lang="en-US" sz="3200" dirty="0"/>
-              <a:t>for-each </a:t>
-            </a:r>
-            <a:r>
-              <a:rPr lang="he-IL" sz="3200" dirty="0"/>
-              <a:t> על אספים שאנחנו יצרנו.</a:t>
-            </a:r>
-          </a:p>
-          <a:p>
-            <a:pPr algn="r" rtl="1"/>
-            <a:r>
-              <a:rPr lang="he-IL" sz="3200" dirty="0"/>
-              <a:t> </a:t>
-            </a:r>
-          </a:p>
-          <a:p>
-            <a:pPr marL="457200" indent="-457200" algn="r" rtl="1">
-              <a:buFont typeface="Arial" panose="020B0604020202020204" pitchFamily="34" charset="0"/>
-              <a:buChar char="•"/>
-            </a:pPr>
-            <a:r>
-              <a:rPr lang="he-IL" sz="3200" dirty="0"/>
-              <a:t>אוסף שמממש את</a:t>
-            </a:r>
-            <a:r>
-              <a:rPr lang="en-US" sz="3200" dirty="0" err="1"/>
-              <a:t>Iterable</a:t>
-            </a:r>
-            <a:r>
-              <a:rPr lang="en-US" sz="3200" dirty="0"/>
-              <a:t> </a:t>
-            </a:r>
-            <a:r>
-              <a:rPr lang="he-IL" sz="3200" dirty="0"/>
-              <a:t> צריך לממש את </a:t>
-            </a:r>
-            <a:r>
-              <a:rPr lang="he-IL" sz="3200" dirty="0" err="1"/>
-              <a:t>הפונקצייה</a:t>
-            </a:r>
-            <a:r>
-              <a:rPr lang="he-IL" sz="3200" dirty="0"/>
-              <a:t> שנקראת </a:t>
-            </a:r>
-            <a:r>
-              <a:rPr lang="en-US" sz="3200" dirty="0"/>
-              <a:t>iterator</a:t>
-            </a:r>
-            <a:r>
-              <a:rPr lang="he-IL" sz="3200" dirty="0"/>
-              <a:t> ומחזירה אובייקט מסוג </a:t>
-            </a:r>
-            <a:r>
-              <a:rPr lang="en-US" sz="3200" dirty="0"/>
-              <a:t>Iterator</a:t>
-            </a:r>
-            <a:r>
-              <a:rPr lang="he-IL" sz="3200" dirty="0"/>
-              <a:t>.</a:t>
-            </a:r>
-          </a:p>
-        </p:txBody>
-      </p:sp>
-    </p:spTree>
-    <p:extLst>
-      <p:ext uri="{BB962C8B-B14F-4D97-AF65-F5344CB8AC3E}">
-        <p14:creationId xmlns:p14="http://schemas.microsoft.com/office/powerpoint/2010/main" val="1755314045"/>
       </p:ext>
     </p:extLst>
   </p:cSld>
